--- a/AUTOGENERATION OF 3D MODEL FROM ROOM IMAGES.pptx
+++ b/AUTOGENERATION OF 3D MODEL FROM ROOM IMAGES.pptx
@@ -311,7 +311,7 @@
             <a:fld id="{B61BEF0D-F0BB-DE4B-95CE-6DB70DBA9567}" type="datetimeFigureOut">
               <a:rPr lang="en-US" dirty="0"/>
               <a:pPr/>
-              <a:t>9/3/2019</a:t>
+              <a:t>9/5/2019</a:t>
             </a:fld>
             <a:endParaRPr lang="en-US" dirty="0"/>
           </a:p>
@@ -646,7 +646,7 @@
             <a:fld id="{B61BEF0D-F0BB-DE4B-95CE-6DB70DBA9567}" type="datetimeFigureOut">
               <a:rPr lang="en-US" dirty="0"/>
               <a:pPr/>
-              <a:t>9/3/2019</a:t>
+              <a:t>9/5/2019</a:t>
             </a:fld>
             <a:endParaRPr lang="en-US" dirty="0"/>
           </a:p>
@@ -1044,7 +1044,7 @@
             <a:fld id="{B61BEF0D-F0BB-DE4B-95CE-6DB70DBA9567}" type="datetimeFigureOut">
               <a:rPr lang="en-US" dirty="0"/>
               <a:pPr/>
-              <a:t>9/3/2019</a:t>
+              <a:t>9/5/2019</a:t>
             </a:fld>
             <a:endParaRPr lang="en-US" dirty="0"/>
           </a:p>
@@ -1377,7 +1377,7 @@
             <a:fld id="{B61BEF0D-F0BB-DE4B-95CE-6DB70DBA9567}" type="datetimeFigureOut">
               <a:rPr lang="en-US" dirty="0"/>
               <a:pPr/>
-              <a:t>9/3/2019</a:t>
+              <a:t>9/5/2019</a:t>
             </a:fld>
             <a:endParaRPr lang="en-US" dirty="0"/>
           </a:p>
@@ -1694,7 +1694,7 @@
             <a:fld id="{B61BEF0D-F0BB-DE4B-95CE-6DB70DBA9567}" type="datetimeFigureOut">
               <a:rPr lang="en-US" dirty="0"/>
               <a:pPr/>
-              <a:t>9/3/2019</a:t>
+              <a:t>9/5/2019</a:t>
             </a:fld>
             <a:endParaRPr lang="en-US" dirty="0"/>
           </a:p>
@@ -2087,7 +2087,7 @@
             <a:fld id="{B61BEF0D-F0BB-DE4B-95CE-6DB70DBA9567}" type="datetimeFigureOut">
               <a:rPr lang="en-US" dirty="0"/>
               <a:pPr/>
-              <a:t>9/3/2019</a:t>
+              <a:t>9/5/2019</a:t>
             </a:fld>
             <a:endParaRPr lang="en-US" dirty="0"/>
           </a:p>
@@ -2341,7 +2341,7 @@
             <a:fld id="{B61BEF0D-F0BB-DE4B-95CE-6DB70DBA9567}" type="datetimeFigureOut">
               <a:rPr lang="en-US" dirty="0"/>
               <a:pPr/>
-              <a:t>9/3/2019</a:t>
+              <a:t>9/5/2019</a:t>
             </a:fld>
             <a:endParaRPr lang="en-US" dirty="0"/>
           </a:p>
@@ -2600,7 +2600,7 @@
             <a:fld id="{B61BEF0D-F0BB-DE4B-95CE-6DB70DBA9567}" type="datetimeFigureOut">
               <a:rPr lang="en-US" dirty="0"/>
               <a:pPr/>
-              <a:t>9/3/2019</a:t>
+              <a:t>9/5/2019</a:t>
             </a:fld>
             <a:endParaRPr lang="en-US" dirty="0"/>
           </a:p>
@@ -2859,7 +2859,7 @@
             <a:fld id="{B61BEF0D-F0BB-DE4B-95CE-6DB70DBA9567}" type="datetimeFigureOut">
               <a:rPr lang="en-US" dirty="0"/>
               <a:pPr/>
-              <a:t>9/3/2019</a:t>
+              <a:t>9/5/2019</a:t>
             </a:fld>
             <a:endParaRPr lang="en-US" dirty="0"/>
           </a:p>
@@ -3185,7 +3185,7 @@
             <a:fld id="{B61BEF0D-F0BB-DE4B-95CE-6DB70DBA9567}" type="datetimeFigureOut">
               <a:rPr lang="en-US" dirty="0"/>
               <a:pPr/>
-              <a:t>9/3/2019</a:t>
+              <a:t>9/5/2019</a:t>
             </a:fld>
             <a:endParaRPr lang="en-US" dirty="0"/>
           </a:p>
@@ -3505,7 +3505,7 @@
             <a:fld id="{B61BEF0D-F0BB-DE4B-95CE-6DB70DBA9567}" type="datetimeFigureOut">
               <a:rPr lang="en-US" dirty="0"/>
               <a:pPr/>
-              <a:t>9/3/2019</a:t>
+              <a:t>9/5/2019</a:t>
             </a:fld>
             <a:endParaRPr lang="en-US" dirty="0"/>
           </a:p>
@@ -3959,7 +3959,7 @@
             <a:fld id="{B61BEF0D-F0BB-DE4B-95CE-6DB70DBA9567}" type="datetimeFigureOut">
               <a:rPr lang="en-US" dirty="0"/>
               <a:pPr/>
-              <a:t>9/3/2019</a:t>
+              <a:t>9/5/2019</a:t>
             </a:fld>
             <a:endParaRPr lang="en-US" dirty="0"/>
           </a:p>
@@ -4161,7 +4161,7 @@
             <a:fld id="{B61BEF0D-F0BB-DE4B-95CE-6DB70DBA9567}" type="datetimeFigureOut">
               <a:rPr lang="en-US" dirty="0"/>
               <a:pPr/>
-              <a:t>9/3/2019</a:t>
+              <a:t>9/5/2019</a:t>
             </a:fld>
             <a:endParaRPr lang="en-US" dirty="0"/>
           </a:p>
@@ -4335,7 +4335,7 @@
             <a:fld id="{B61BEF0D-F0BB-DE4B-95CE-6DB70DBA9567}" type="datetimeFigureOut">
               <a:rPr lang="en-US" dirty="0"/>
               <a:pPr/>
-              <a:t>9/3/2019</a:t>
+              <a:t>9/5/2019</a:t>
             </a:fld>
             <a:endParaRPr lang="en-US" dirty="0"/>
           </a:p>
@@ -4665,7 +4665,7 @@
             <a:fld id="{B61BEF0D-F0BB-DE4B-95CE-6DB70DBA9567}" type="datetimeFigureOut">
               <a:rPr lang="en-US" dirty="0"/>
               <a:pPr/>
-              <a:t>9/3/2019</a:t>
+              <a:t>9/5/2019</a:t>
             </a:fld>
             <a:endParaRPr lang="en-US" dirty="0"/>
           </a:p>
@@ -5007,7 +5007,7 @@
             <a:fld id="{B61BEF0D-F0BB-DE4B-95CE-6DB70DBA9567}" type="datetimeFigureOut">
               <a:rPr lang="en-US" dirty="0"/>
               <a:pPr/>
-              <a:t>9/3/2019</a:t>
+              <a:t>9/5/2019</a:t>
             </a:fld>
             <a:endParaRPr lang="en-US" dirty="0"/>
           </a:p>
@@ -7121,7 +7121,7 @@
             <a:fld id="{B61BEF0D-F0BB-DE4B-95CE-6DB70DBA9567}" type="datetimeFigureOut">
               <a:rPr lang="en-US" dirty="0"/>
               <a:pPr/>
-              <a:t>9/3/2019</a:t>
+              <a:t>9/5/2019</a:t>
             </a:fld>
             <a:endParaRPr lang="en-US" dirty="0"/>
           </a:p>
@@ -7648,10 +7648,10 @@
           <p:cNvPr id="12" name="Rectangle 11">
             <a:extLst>
               <a:ext uri="{FF2B5EF4-FFF2-40B4-BE49-F238E27FC236}">
-                <a16:creationId xmlns:a16="http://schemas.microsoft.com/office/drawing/2014/main" xmlns="" id="{1FF9CEF5-A50D-4B8B-9852-D76F7037867E}"/>
+                <a16:creationId xmlns="" xmlns:a16="http://schemas.microsoft.com/office/drawing/2014/main" id="{1FF9CEF5-A50D-4B8B-9852-D76F7037867E}"/>
               </a:ext>
               <a:ext uri="{C183D7F6-B498-43B3-948B-1728B52AA6E4}">
-                <adec:decorative xmlns:adec="http://schemas.microsoft.com/office/drawing/2017/decorative" xmlns="" val="1"/>
+                <adec:decorative xmlns="" xmlns:adec="http://schemas.microsoft.com/office/drawing/2017/decorative" val="1"/>
               </a:ext>
             </a:extLst>
           </p:cNvPr>
@@ -7661,7 +7661,7 @@
           <p:nvPr>
             <p:extLst>
               <p:ext uri="{386F3935-93C4-4BCD-93E2-E3B085C9AB24}">
-                <p16:designElem xmlns:p16="http://schemas.microsoft.com/office/powerpoint/2015/main" xmlns="" val="1"/>
+                <p16:designElem xmlns="" xmlns:p16="http://schemas.microsoft.com/office/powerpoint/2015/main" val="1"/>
               </p:ext>
             </p:extLst>
           </p:nvPr>
@@ -7708,7 +7708,7 @@
           <p:cNvPr id="7" name="Picture 6">
             <a:extLst>
               <a:ext uri="{FF2B5EF4-FFF2-40B4-BE49-F238E27FC236}">
-                <a16:creationId xmlns:a16="http://schemas.microsoft.com/office/drawing/2014/main" xmlns="" id="{1AE838C9-87D8-493B-875B-C02B7A03A86F}"/>
+                <a16:creationId xmlns="" xmlns:a16="http://schemas.microsoft.com/office/drawing/2014/main" id="{1AE838C9-87D8-493B-875B-C02B7A03A86F}"/>
               </a:ext>
             </a:extLst>
           </p:cNvPr>
@@ -7739,7 +7739,7 @@
           <p:cNvPr id="2" name="Title 1">
             <a:extLst>
               <a:ext uri="{FF2B5EF4-FFF2-40B4-BE49-F238E27FC236}">
-                <a16:creationId xmlns:a16="http://schemas.microsoft.com/office/drawing/2014/main" xmlns="" id="{63A912D1-813C-4FD6-97D4-DAE0D6BD8436}"/>
+                <a16:creationId xmlns="" xmlns:a16="http://schemas.microsoft.com/office/drawing/2014/main" id="{63A912D1-813C-4FD6-97D4-DAE0D6BD8436}"/>
               </a:ext>
             </a:extLst>
           </p:cNvPr>
@@ -7775,7 +7775,7 @@
               </a:rPr>
               <a:t>AUTOGENERATION OF 3D MODEL FROM ROOM IMAGES</a:t>
             </a:r>
-            <a:endParaRPr lang="en-PK" sz="5000" dirty="0">
+            <a:endParaRPr lang="x-none" sz="5000" dirty="0">
               <a:solidFill>
                 <a:schemeClr val="tx1"/>
               </a:solidFill>
@@ -7788,7 +7788,7 @@
           <p:cNvPr id="3" name="Subtitle 2">
             <a:extLst>
               <a:ext uri="{FF2B5EF4-FFF2-40B4-BE49-F238E27FC236}">
-                <a16:creationId xmlns:a16="http://schemas.microsoft.com/office/drawing/2014/main" xmlns="" id="{6E08BC59-F98D-4612-8299-16FFCF3F3CB4}"/>
+                <a16:creationId xmlns="" xmlns:a16="http://schemas.microsoft.com/office/drawing/2014/main" id="{6E08BC59-F98D-4612-8299-16FFCF3F3CB4}"/>
               </a:ext>
             </a:extLst>
           </p:cNvPr>
@@ -7853,7 +7853,7 @@
               <a:rPr lang="en-GB"/>
               <a:t>2016-CS-159</a:t>
             </a:r>
-            <a:endParaRPr lang="en-PK" dirty="0"/>
+            <a:endParaRPr lang="x-none" dirty="0"/>
           </a:p>
         </p:txBody>
       </p:sp>
@@ -7862,10 +7862,10 @@
           <p:cNvPr id="14" name="Rectangle 13">
             <a:extLst>
               <a:ext uri="{FF2B5EF4-FFF2-40B4-BE49-F238E27FC236}">
-                <a16:creationId xmlns:a16="http://schemas.microsoft.com/office/drawing/2014/main" xmlns="" id="{30684D86-C9D1-40C3-A9B6-EC935C7312E3}"/>
+                <a16:creationId xmlns="" xmlns:a16="http://schemas.microsoft.com/office/drawing/2014/main" id="{30684D86-C9D1-40C3-A9B6-EC935C7312E3}"/>
               </a:ext>
               <a:ext uri="{C183D7F6-B498-43B3-948B-1728B52AA6E4}">
-                <adec:decorative xmlns:adec="http://schemas.microsoft.com/office/drawing/2017/decorative" xmlns="" val="1"/>
+                <adec:decorative xmlns="" xmlns:adec="http://schemas.microsoft.com/office/drawing/2017/decorative" val="1"/>
               </a:ext>
             </a:extLst>
           </p:cNvPr>
@@ -7875,7 +7875,7 @@
           <p:nvPr>
             <p:extLst>
               <p:ext uri="{386F3935-93C4-4BCD-93E2-E3B085C9AB24}">
-                <p16:designElem xmlns:p16="http://schemas.microsoft.com/office/powerpoint/2015/main" xmlns="" val="1"/>
+                <p16:designElem xmlns="" xmlns:p16="http://schemas.microsoft.com/office/powerpoint/2015/main" val="1"/>
               </p:ext>
             </p:extLst>
           </p:nvPr>
@@ -7916,10 +7916,10 @@
           <p:cNvPr id="16" name="Freeform 33">
             <a:extLst>
               <a:ext uri="{FF2B5EF4-FFF2-40B4-BE49-F238E27FC236}">
-                <a16:creationId xmlns:a16="http://schemas.microsoft.com/office/drawing/2014/main" xmlns="" id="{1EDF7896-F56A-49DA-90F3-F5CE8B9833AD}"/>
+                <a16:creationId xmlns="" xmlns:a16="http://schemas.microsoft.com/office/drawing/2014/main" id="{1EDF7896-F56A-49DA-90F3-F5CE8B9833AD}"/>
               </a:ext>
               <a:ext uri="{C183D7F6-B498-43B3-948B-1728B52AA6E4}">
-                <adec:decorative xmlns:adec="http://schemas.microsoft.com/office/drawing/2017/decorative" xmlns="" val="1"/>
+                <adec:decorative xmlns="" xmlns:adec="http://schemas.microsoft.com/office/drawing/2017/decorative" val="1"/>
               </a:ext>
             </a:extLst>
           </p:cNvPr>
@@ -7929,7 +7929,7 @@
           <p:nvPr>
             <p:extLst>
               <p:ext uri="{386F3935-93C4-4BCD-93E2-E3B085C9AB24}">
-                <p16:designElem xmlns:p16="http://schemas.microsoft.com/office/powerpoint/2015/main" xmlns="" val="1"/>
+                <p16:designElem xmlns="" xmlns:p16="http://schemas.microsoft.com/office/powerpoint/2015/main" val="1"/>
               </p:ext>
             </p:extLst>
           </p:nvPr>
@@ -8013,7 +8013,7 @@
     </p:spTree>
     <p:extLst>
       <p:ext uri="{BB962C8B-B14F-4D97-AF65-F5344CB8AC3E}">
-        <p14:creationId xmlns:p14="http://schemas.microsoft.com/office/powerpoint/2010/main" val="4138910587"/>
+        <p14:creationId xmlns:p14="http://schemas.microsoft.com/office/powerpoint/2010/main" xmlns="" val="4138910587"/>
       </p:ext>
     </p:extLst>
   </p:cSld>
@@ -8024,11 +8024,11 @@
 </file>
 
 <file path=ppt/slides/slide10.xml><?xml version="1.0" encoding="utf-8"?>
-<p:sld xmlns:a="http://schemas.openxmlformats.org/drawingml/2006/main" xmlns:r="http://schemas.openxmlformats.org/officeDocument/2006/relationships" xmlns:p="http://schemas.openxmlformats.org/presentationml/2006/main">
+<p:sld xmlns:a="http://schemas.openxmlformats.org/drawingml/2006/main" xmlns:r="http://schemas.openxmlformats.org/officeDocument/2006/relationships" xmlns:p="http://schemas.openxmlformats.org/presentationml/2006/main" showMasterSp="0">
   <p:cSld>
     <p:bg>
       <p:bgPr>
-        <a:gradFill rotWithShape="1">
+        <a:gradFill>
           <a:gsLst>
             <a:gs pos="0">
               <a:schemeClr val="bg2">
@@ -8071,10 +8071,10 @@
           <p:cNvPr id="8" name="Rectangle 7">
             <a:extLst>
               <a:ext uri="{FF2B5EF4-FFF2-40B4-BE49-F238E27FC236}">
-                <a16:creationId xmlns:a16="http://schemas.microsoft.com/office/drawing/2014/main" xmlns="" id="{3A3C2D7E-3F2E-404E-9B30-CB12DC972D50}"/>
+                <a16:creationId xmlns="" xmlns:a16="http://schemas.microsoft.com/office/drawing/2014/main" id="{3A3C2D7E-3F2E-404E-9B30-CB12DC972D50}"/>
               </a:ext>
               <a:ext uri="{C183D7F6-B498-43B3-948B-1728B52AA6E4}">
-                <adec:decorative xmlns:adec="http://schemas.microsoft.com/office/drawing/2017/decorative" xmlns="" val="1"/>
+                <adec:decorative xmlns="" xmlns:adec="http://schemas.microsoft.com/office/drawing/2017/decorative" val="1"/>
               </a:ext>
             </a:extLst>
           </p:cNvPr>
@@ -8084,7 +8084,7 @@
           <p:nvPr>
             <p:extLst>
               <p:ext uri="{386F3935-93C4-4BCD-93E2-E3B085C9AB24}">
-                <p16:designElem xmlns:p16="http://schemas.microsoft.com/office/powerpoint/2015/main" xmlns="" val="1"/>
+                <p16:designElem xmlns="" xmlns:p16="http://schemas.microsoft.com/office/powerpoint/2015/main" val="1"/>
               </p:ext>
             </p:extLst>
           </p:nvPr>
@@ -8121,8 +8121,7 @@
           <a:bodyPr rtlCol="0" anchor="ctr"/>
           <a:lstStyle/>
           <a:p>
-            <a:pPr algn="ctr"/>
-            <a:endParaRPr lang="en-US"/>
+            <a:endParaRPr lang="en-US" dirty="0" smtClean="0"/>
           </a:p>
         </p:txBody>
       </p:sp>
@@ -8131,10 +8130,10 @@
           <p:cNvPr id="10" name="Rectangle 9">
             <a:extLst>
               <a:ext uri="{FF2B5EF4-FFF2-40B4-BE49-F238E27FC236}">
-                <a16:creationId xmlns:a16="http://schemas.microsoft.com/office/drawing/2014/main" xmlns="" id="{F1F7FD00-BF97-4325-B7C2-E451F20840A7}"/>
+                <a16:creationId xmlns="" xmlns:a16="http://schemas.microsoft.com/office/drawing/2014/main" id="{F1F7FD00-BF97-4325-B7C2-E451F20840A7}"/>
               </a:ext>
               <a:ext uri="{C183D7F6-B498-43B3-948B-1728B52AA6E4}">
-                <adec:decorative xmlns:adec="http://schemas.microsoft.com/office/drawing/2017/decorative" xmlns="" val="1"/>
+                <adec:decorative xmlns="" xmlns:adec="http://schemas.microsoft.com/office/drawing/2017/decorative" val="1"/>
               </a:ext>
             </a:extLst>
           </p:cNvPr>
@@ -8144,7 +8143,7 @@
           <p:nvPr>
             <p:extLst>
               <p:ext uri="{386F3935-93C4-4BCD-93E2-E3B085C9AB24}">
-                <p16:designElem xmlns:p16="http://schemas.microsoft.com/office/powerpoint/2015/main" xmlns="" val="1"/>
+                <p16:designElem xmlns="" xmlns:p16="http://schemas.microsoft.com/office/powerpoint/2015/main" val="1"/>
               </p:ext>
             </p:extLst>
           </p:nvPr>
@@ -8187,7 +8186,7 @@
           <p:cNvPr id="2" name="Title 1">
             <a:extLst>
               <a:ext uri="{FF2B5EF4-FFF2-40B4-BE49-F238E27FC236}">
-                <a16:creationId xmlns:a16="http://schemas.microsoft.com/office/drawing/2014/main" xmlns="" id="{C60221F0-E61F-4AD3-B683-685CA8D02591}"/>
+                <a16:creationId xmlns="" xmlns:a16="http://schemas.microsoft.com/office/drawing/2014/main" id="{C60221F0-E61F-4AD3-B683-685CA8D02591}"/>
               </a:ext>
             </a:extLst>
           </p:cNvPr>
@@ -8198,12 +8197,7 @@
             <p:ph type="title"/>
           </p:nvPr>
         </p:nvSpPr>
-        <p:spPr>
-          <a:xfrm>
-            <a:off x="1843391" y="624110"/>
-            <a:ext cx="9383408" cy="1280890"/>
-          </a:xfrm>
-        </p:spPr>
+        <p:spPr/>
         <p:txBody>
           <a:bodyPr>
             <a:normAutofit/>
@@ -8218,7 +8212,7 @@
               </a:rPr>
               <a:t>7. METHODOLOGY</a:t>
             </a:r>
-            <a:endParaRPr lang="en-PK" b="1" dirty="0">
+            <a:endParaRPr lang="x-none" b="1" dirty="0">
               <a:solidFill>
                 <a:srgbClr val="FFFFFF"/>
               </a:solidFill>
@@ -8231,10 +8225,10 @@
           <p:cNvPr id="12" name="Freeform 11">
             <a:extLst>
               <a:ext uri="{FF2B5EF4-FFF2-40B4-BE49-F238E27FC236}">
-                <a16:creationId xmlns:a16="http://schemas.microsoft.com/office/drawing/2014/main" xmlns="" id="{179B5294-DA4E-4926-B14A-DD6E07A12F67}"/>
+                <a16:creationId xmlns="" xmlns:a16="http://schemas.microsoft.com/office/drawing/2014/main" id="{179B5294-DA4E-4926-B14A-DD6E07A12F67}"/>
               </a:ext>
               <a:ext uri="{C183D7F6-B498-43B3-948B-1728B52AA6E4}">
-                <adec:decorative xmlns:adec="http://schemas.microsoft.com/office/drawing/2017/decorative" xmlns="" val="1"/>
+                <adec:decorative xmlns="" xmlns:adec="http://schemas.microsoft.com/office/drawing/2017/decorative" val="1"/>
               </a:ext>
             </a:extLst>
           </p:cNvPr>
@@ -8244,7 +8238,7 @@
           <p:nvPr>
             <p:extLst>
               <p:ext uri="{386F3935-93C4-4BCD-93E2-E3B085C9AB24}">
-                <p16:designElem xmlns:p16="http://schemas.microsoft.com/office/powerpoint/2015/main" xmlns="" val="1"/>
+                <p16:designElem xmlns="" xmlns:p16="http://schemas.microsoft.com/office/powerpoint/2015/main" val="1"/>
               </p:ext>
             </p:extLst>
           </p:nvPr>
@@ -8325,45 +8319,82 @@
           </a:ln>
         </p:spPr>
       </p:sp>
+      <p:sp>
+        <p:nvSpPr>
+          <p:cNvPr id="11" name="Content Placeholder 10"/>
+          <p:cNvSpPr>
+            <a:spLocks noGrp="1"/>
+          </p:cNvSpPr>
+          <p:nvPr>
+            <p:ph sz="half" idx="1"/>
+          </p:nvPr>
+        </p:nvSpPr>
+        <p:spPr>
+          <a:xfrm>
+            <a:off x="2589212" y="2664822"/>
+            <a:ext cx="4313864" cy="3500847"/>
+          </a:xfrm>
+        </p:spPr>
+        <p:txBody>
+          <a:bodyPr/>
+          <a:lstStyle/>
+          <a:p>
+            <a:endParaRPr lang="en-US" dirty="0"/>
+          </a:p>
+        </p:txBody>
+      </p:sp>
       <p:pic>
         <p:nvPicPr>
-          <p:cNvPr id="9" name="Content Placeholder 8"/>
+          <p:cNvPr id="1027" name="Picture 3"/>
           <p:cNvPicPr>
-            <a:picLocks noGrp="1" noChangeAspect="1"/>
+            <a:picLocks noGrp="1" noChangeAspect="1" noChangeArrowheads="1"/>
           </p:cNvPicPr>
           <p:nvPr>
-            <p:ph idx="1"/>
+            <p:ph sz="half" idx="2"/>
           </p:nvPr>
         </p:nvPicPr>
         <p:blipFill>
-          <a:blip r:embed="rId2">
-            <a:extLst>
-              <a:ext uri="{28A0092B-C50C-407E-A947-70E740481C1C}">
-                <a14:useLocalDpi xmlns:a14="http://schemas.microsoft.com/office/drawing/2010/main" val="0"/>
-              </a:ext>
-            </a:extLst>
-          </a:blip>
+          <a:blip r:embed="rId2"/>
+          <a:srcRect/>
           <a:stretch>
             <a:fillRect/>
           </a:stretch>
         </p:blipFill>
-        <p:spPr>
+        <p:spPr bwMode="auto">
           <a:xfrm>
-            <a:off x="3258355" y="2306694"/>
-            <a:ext cx="4662152" cy="4551305"/>
-          </a:xfrm>
+            <a:off x="7615645" y="2598738"/>
+            <a:ext cx="3918857" cy="3958816"/>
+          </a:xfrm>
+          <a:prstGeom prst="rect">
+            <a:avLst/>
+          </a:prstGeom>
+          <a:noFill/>
+          <a:ln w="9525">
+            <a:noFill/>
+            <a:miter lim="800000"/>
+            <a:headEnd/>
+            <a:tailEnd/>
+          </a:ln>
+          <a:effectLst/>
         </p:spPr>
       </p:pic>
     </p:spTree>
     <p:extLst>
       <p:ext uri="{BB962C8B-B14F-4D97-AF65-F5344CB8AC3E}">
-        <p14:creationId xmlns:p14="http://schemas.microsoft.com/office/powerpoint/2010/main" val="1939423074"/>
+        <p14:creationId xmlns:p14="http://schemas.microsoft.com/office/powerpoint/2010/main" xmlns="" val="1939423074"/>
       </p:ext>
     </p:extLst>
   </p:cSld>
   <p:clrMapOvr>
     <a:masterClrMapping/>
   </p:clrMapOvr>
+  <p:timing>
+    <p:tnLst>
+      <p:par>
+        <p:cTn id="1" dur="indefinite" restart="never" nodeType="tmRoot"/>
+      </p:par>
+    </p:tnLst>
+  </p:timing>
 </p:sld>
 </file>
 
@@ -8415,10 +8446,10 @@
           <p:cNvPr id="8" name="Rectangle 7">
             <a:extLst>
               <a:ext uri="{FF2B5EF4-FFF2-40B4-BE49-F238E27FC236}">
-                <a16:creationId xmlns:a16="http://schemas.microsoft.com/office/drawing/2014/main" xmlns="" id="{3A3C2D7E-3F2E-404E-9B30-CB12DC972D50}"/>
+                <a16:creationId xmlns="" xmlns:a16="http://schemas.microsoft.com/office/drawing/2014/main" id="{3A3C2D7E-3F2E-404E-9B30-CB12DC972D50}"/>
               </a:ext>
               <a:ext uri="{C183D7F6-B498-43B3-948B-1728B52AA6E4}">
-                <adec:decorative xmlns:adec="http://schemas.microsoft.com/office/drawing/2017/decorative" xmlns="" val="1"/>
+                <adec:decorative xmlns="" xmlns:adec="http://schemas.microsoft.com/office/drawing/2017/decorative" val="1"/>
               </a:ext>
             </a:extLst>
           </p:cNvPr>
@@ -8428,7 +8459,7 @@
           <p:nvPr>
             <p:extLst>
               <p:ext uri="{386F3935-93C4-4BCD-93E2-E3B085C9AB24}">
-                <p16:designElem xmlns:p16="http://schemas.microsoft.com/office/powerpoint/2015/main" xmlns="" val="1"/>
+                <p16:designElem xmlns="" xmlns:p16="http://schemas.microsoft.com/office/powerpoint/2015/main" val="1"/>
               </p:ext>
             </p:extLst>
           </p:nvPr>
@@ -8475,10 +8506,10 @@
           <p:cNvPr id="10" name="Rectangle 9">
             <a:extLst>
               <a:ext uri="{FF2B5EF4-FFF2-40B4-BE49-F238E27FC236}">
-                <a16:creationId xmlns:a16="http://schemas.microsoft.com/office/drawing/2014/main" xmlns="" id="{F1F7FD00-BF97-4325-B7C2-E451F20840A7}"/>
+                <a16:creationId xmlns="" xmlns:a16="http://schemas.microsoft.com/office/drawing/2014/main" id="{F1F7FD00-BF97-4325-B7C2-E451F20840A7}"/>
               </a:ext>
               <a:ext uri="{C183D7F6-B498-43B3-948B-1728B52AA6E4}">
-                <adec:decorative xmlns:adec="http://schemas.microsoft.com/office/drawing/2017/decorative" xmlns="" val="1"/>
+                <adec:decorative xmlns="" xmlns:adec="http://schemas.microsoft.com/office/drawing/2017/decorative" val="1"/>
               </a:ext>
             </a:extLst>
           </p:cNvPr>
@@ -8488,7 +8519,7 @@
           <p:nvPr>
             <p:extLst>
               <p:ext uri="{386F3935-93C4-4BCD-93E2-E3B085C9AB24}">
-                <p16:designElem xmlns:p16="http://schemas.microsoft.com/office/powerpoint/2015/main" xmlns="" val="1"/>
+                <p16:designElem xmlns="" xmlns:p16="http://schemas.microsoft.com/office/powerpoint/2015/main" val="1"/>
               </p:ext>
             </p:extLst>
           </p:nvPr>
@@ -8531,7 +8562,7 @@
           <p:cNvPr id="2" name="Title 1">
             <a:extLst>
               <a:ext uri="{FF2B5EF4-FFF2-40B4-BE49-F238E27FC236}">
-                <a16:creationId xmlns:a16="http://schemas.microsoft.com/office/drawing/2014/main" xmlns="" id="{A875E76E-82C7-4FA8-9842-E997F8767AB0}"/>
+                <a16:creationId xmlns="" xmlns:a16="http://schemas.microsoft.com/office/drawing/2014/main" id="{A875E76E-82C7-4FA8-9842-E997F8767AB0}"/>
               </a:ext>
             </a:extLst>
           </p:cNvPr>
@@ -8562,7 +8593,7 @@
               </a:rPr>
               <a:t>8. POSSIBLE APPLICATION OF WORK </a:t>
             </a:r>
-            <a:endParaRPr lang="en-PK" b="1" dirty="0">
+            <a:endParaRPr lang="x-none" b="1" dirty="0">
               <a:solidFill>
                 <a:srgbClr val="FFFFFF"/>
               </a:solidFill>
@@ -8575,10 +8606,10 @@
           <p:cNvPr id="12" name="Freeform 11">
             <a:extLst>
               <a:ext uri="{FF2B5EF4-FFF2-40B4-BE49-F238E27FC236}">
-                <a16:creationId xmlns:a16="http://schemas.microsoft.com/office/drawing/2014/main" xmlns="" id="{179B5294-DA4E-4926-B14A-DD6E07A12F67}"/>
+                <a16:creationId xmlns="" xmlns:a16="http://schemas.microsoft.com/office/drawing/2014/main" id="{179B5294-DA4E-4926-B14A-DD6E07A12F67}"/>
               </a:ext>
               <a:ext uri="{C183D7F6-B498-43B3-948B-1728B52AA6E4}">
-                <adec:decorative xmlns:adec="http://schemas.microsoft.com/office/drawing/2017/decorative" xmlns="" val="1"/>
+                <adec:decorative xmlns="" xmlns:adec="http://schemas.microsoft.com/office/drawing/2017/decorative" val="1"/>
               </a:ext>
             </a:extLst>
           </p:cNvPr>
@@ -8588,7 +8619,7 @@
           <p:nvPr>
             <p:extLst>
               <p:ext uri="{386F3935-93C4-4BCD-93E2-E3B085C9AB24}">
-                <p16:designElem xmlns:p16="http://schemas.microsoft.com/office/powerpoint/2015/main" xmlns="" val="1"/>
+                <p16:designElem xmlns="" xmlns:p16="http://schemas.microsoft.com/office/powerpoint/2015/main" val="1"/>
               </p:ext>
             </p:extLst>
           </p:nvPr>
@@ -8674,7 +8705,7 @@
           <p:cNvPr id="3" name="Content Placeholder 2">
             <a:extLst>
               <a:ext uri="{FF2B5EF4-FFF2-40B4-BE49-F238E27FC236}">
-                <a16:creationId xmlns:a16="http://schemas.microsoft.com/office/drawing/2014/main" xmlns="" id="{141CAAFE-9C52-423A-BD22-F22A736D9346}"/>
+                <a16:creationId xmlns="" xmlns:a16="http://schemas.microsoft.com/office/drawing/2014/main" id="{141CAAFE-9C52-423A-BD22-F22A736D9346}"/>
               </a:ext>
             </a:extLst>
           </p:cNvPr>
@@ -8697,20 +8728,27 @@
           </a:bodyPr>
           <a:lstStyle/>
           <a:p>
-            <a:endParaRPr lang="en-PK"/>
+            <a:endParaRPr lang="x-none"/>
           </a:p>
         </p:txBody>
       </p:sp>
     </p:spTree>
     <p:extLst>
       <p:ext uri="{BB962C8B-B14F-4D97-AF65-F5344CB8AC3E}">
-        <p14:creationId xmlns:p14="http://schemas.microsoft.com/office/powerpoint/2010/main" val="119922345"/>
+        <p14:creationId xmlns:p14="http://schemas.microsoft.com/office/powerpoint/2010/main" xmlns="" val="119922345"/>
       </p:ext>
     </p:extLst>
   </p:cSld>
   <p:clrMapOvr>
     <a:masterClrMapping/>
   </p:clrMapOvr>
+  <p:timing>
+    <p:tnLst>
+      <p:par>
+        <p:cTn id="1" dur="indefinite" restart="never" nodeType="tmRoot"/>
+      </p:par>
+    </p:tnLst>
+  </p:timing>
 </p:sld>
 </file>
 
@@ -8762,10 +8800,10 @@
           <p:cNvPr id="8" name="Rectangle 7">
             <a:extLst>
               <a:ext uri="{FF2B5EF4-FFF2-40B4-BE49-F238E27FC236}">
-                <a16:creationId xmlns:a16="http://schemas.microsoft.com/office/drawing/2014/main" xmlns="" id="{3A3C2D7E-3F2E-404E-9B30-CB12DC972D50}"/>
+                <a16:creationId xmlns="" xmlns:a16="http://schemas.microsoft.com/office/drawing/2014/main" id="{3A3C2D7E-3F2E-404E-9B30-CB12DC972D50}"/>
               </a:ext>
               <a:ext uri="{C183D7F6-B498-43B3-948B-1728B52AA6E4}">
-                <adec:decorative xmlns:adec="http://schemas.microsoft.com/office/drawing/2017/decorative" xmlns="" val="1"/>
+                <adec:decorative xmlns="" xmlns:adec="http://schemas.microsoft.com/office/drawing/2017/decorative" val="1"/>
               </a:ext>
             </a:extLst>
           </p:cNvPr>
@@ -8775,7 +8813,7 @@
           <p:nvPr>
             <p:extLst>
               <p:ext uri="{386F3935-93C4-4BCD-93E2-E3B085C9AB24}">
-                <p16:designElem xmlns:p16="http://schemas.microsoft.com/office/powerpoint/2015/main" xmlns="" val="1"/>
+                <p16:designElem xmlns="" xmlns:p16="http://schemas.microsoft.com/office/powerpoint/2015/main" val="1"/>
               </p:ext>
             </p:extLst>
           </p:nvPr>
@@ -8822,10 +8860,10 @@
           <p:cNvPr id="10" name="Rectangle 9">
             <a:extLst>
               <a:ext uri="{FF2B5EF4-FFF2-40B4-BE49-F238E27FC236}">
-                <a16:creationId xmlns:a16="http://schemas.microsoft.com/office/drawing/2014/main" xmlns="" id="{F1F7FD00-BF97-4325-B7C2-E451F20840A7}"/>
+                <a16:creationId xmlns="" xmlns:a16="http://schemas.microsoft.com/office/drawing/2014/main" id="{F1F7FD00-BF97-4325-B7C2-E451F20840A7}"/>
               </a:ext>
               <a:ext uri="{C183D7F6-B498-43B3-948B-1728B52AA6E4}">
-                <adec:decorative xmlns:adec="http://schemas.microsoft.com/office/drawing/2017/decorative" xmlns="" val="1"/>
+                <adec:decorative xmlns="" xmlns:adec="http://schemas.microsoft.com/office/drawing/2017/decorative" val="1"/>
               </a:ext>
             </a:extLst>
           </p:cNvPr>
@@ -8835,7 +8873,7 @@
           <p:nvPr>
             <p:extLst>
               <p:ext uri="{386F3935-93C4-4BCD-93E2-E3B085C9AB24}">
-                <p16:designElem xmlns:p16="http://schemas.microsoft.com/office/powerpoint/2015/main" xmlns="" val="1"/>
+                <p16:designElem xmlns="" xmlns:p16="http://schemas.microsoft.com/office/powerpoint/2015/main" val="1"/>
               </p:ext>
             </p:extLst>
           </p:nvPr>
@@ -8878,7 +8916,7 @@
           <p:cNvPr id="2" name="Title 1">
             <a:extLst>
               <a:ext uri="{FF2B5EF4-FFF2-40B4-BE49-F238E27FC236}">
-                <a16:creationId xmlns:a16="http://schemas.microsoft.com/office/drawing/2014/main" xmlns="" id="{93B97C3A-D8DD-49BC-B84D-44CD0BB5C8AC}"/>
+                <a16:creationId xmlns="" xmlns:a16="http://schemas.microsoft.com/office/drawing/2014/main" id="{93B97C3A-D8DD-49BC-B84D-44CD0BB5C8AC}"/>
               </a:ext>
             </a:extLst>
           </p:cNvPr>
@@ -8909,7 +8947,7 @@
               </a:rPr>
               <a:t>9. MARKET SURVEY</a:t>
             </a:r>
-            <a:endParaRPr lang="en-PK" b="1" dirty="0">
+            <a:endParaRPr lang="x-none" b="1" dirty="0">
               <a:solidFill>
                 <a:srgbClr val="FFFFFF"/>
               </a:solidFill>
@@ -8922,10 +8960,10 @@
           <p:cNvPr id="12" name="Freeform 11">
             <a:extLst>
               <a:ext uri="{FF2B5EF4-FFF2-40B4-BE49-F238E27FC236}">
-                <a16:creationId xmlns:a16="http://schemas.microsoft.com/office/drawing/2014/main" xmlns="" id="{179B5294-DA4E-4926-B14A-DD6E07A12F67}"/>
+                <a16:creationId xmlns="" xmlns:a16="http://schemas.microsoft.com/office/drawing/2014/main" id="{179B5294-DA4E-4926-B14A-DD6E07A12F67}"/>
               </a:ext>
               <a:ext uri="{C183D7F6-B498-43B3-948B-1728B52AA6E4}">
-                <adec:decorative xmlns:adec="http://schemas.microsoft.com/office/drawing/2017/decorative" xmlns="" val="1"/>
+                <adec:decorative xmlns="" xmlns:adec="http://schemas.microsoft.com/office/drawing/2017/decorative" val="1"/>
               </a:ext>
             </a:extLst>
           </p:cNvPr>
@@ -8935,7 +8973,7 @@
           <p:nvPr>
             <p:extLst>
               <p:ext uri="{386F3935-93C4-4BCD-93E2-E3B085C9AB24}">
-                <p16:designElem xmlns:p16="http://schemas.microsoft.com/office/powerpoint/2015/main" xmlns="" val="1"/>
+                <p16:designElem xmlns="" xmlns:p16="http://schemas.microsoft.com/office/powerpoint/2015/main" val="1"/>
               </p:ext>
             </p:extLst>
           </p:nvPr>
@@ -9021,7 +9059,7 @@
           <p:cNvPr id="3" name="Content Placeholder 2">
             <a:extLst>
               <a:ext uri="{FF2B5EF4-FFF2-40B4-BE49-F238E27FC236}">
-                <a16:creationId xmlns:a16="http://schemas.microsoft.com/office/drawing/2014/main" xmlns="" id="{5F85B57F-B011-4DA4-8ABD-52BB60B2C9AA}"/>
+                <a16:creationId xmlns="" xmlns:a16="http://schemas.microsoft.com/office/drawing/2014/main" id="{5F85B57F-B011-4DA4-8ABD-52BB60B2C9AA}"/>
               </a:ext>
             </a:extLst>
           </p:cNvPr>
@@ -9044,20 +9082,27 @@
           </a:bodyPr>
           <a:lstStyle/>
           <a:p>
-            <a:endParaRPr lang="en-PK"/>
+            <a:endParaRPr lang="x-none"/>
           </a:p>
         </p:txBody>
       </p:sp>
     </p:spTree>
     <p:extLst>
       <p:ext uri="{BB962C8B-B14F-4D97-AF65-F5344CB8AC3E}">
-        <p14:creationId xmlns:p14="http://schemas.microsoft.com/office/powerpoint/2010/main" val="210636299"/>
+        <p14:creationId xmlns:p14="http://schemas.microsoft.com/office/powerpoint/2010/main" xmlns="" val="210636299"/>
       </p:ext>
     </p:extLst>
   </p:cSld>
   <p:clrMapOvr>
     <a:masterClrMapping/>
   </p:clrMapOvr>
+  <p:timing>
+    <p:tnLst>
+      <p:par>
+        <p:cTn id="1" dur="indefinite" restart="never" nodeType="tmRoot"/>
+      </p:par>
+    </p:tnLst>
+  </p:timing>
 </p:sld>
 </file>
 
@@ -9109,10 +9154,10 @@
           <p:cNvPr id="8" name="Rectangle 7">
             <a:extLst>
               <a:ext uri="{FF2B5EF4-FFF2-40B4-BE49-F238E27FC236}">
-                <a16:creationId xmlns:a16="http://schemas.microsoft.com/office/drawing/2014/main" xmlns="" id="{3A3C2D7E-3F2E-404E-9B30-CB12DC972D50}"/>
+                <a16:creationId xmlns="" xmlns:a16="http://schemas.microsoft.com/office/drawing/2014/main" id="{3A3C2D7E-3F2E-404E-9B30-CB12DC972D50}"/>
               </a:ext>
               <a:ext uri="{C183D7F6-B498-43B3-948B-1728B52AA6E4}">
-                <adec:decorative xmlns:adec="http://schemas.microsoft.com/office/drawing/2017/decorative" xmlns="" val="1"/>
+                <adec:decorative xmlns="" xmlns:adec="http://schemas.microsoft.com/office/drawing/2017/decorative" val="1"/>
               </a:ext>
             </a:extLst>
           </p:cNvPr>
@@ -9122,7 +9167,7 @@
           <p:nvPr>
             <p:extLst>
               <p:ext uri="{386F3935-93C4-4BCD-93E2-E3B085C9AB24}">
-                <p16:designElem xmlns:p16="http://schemas.microsoft.com/office/powerpoint/2015/main" xmlns="" val="1"/>
+                <p16:designElem xmlns="" xmlns:p16="http://schemas.microsoft.com/office/powerpoint/2015/main" val="1"/>
               </p:ext>
             </p:extLst>
           </p:nvPr>
@@ -9169,10 +9214,10 @@
           <p:cNvPr id="10" name="Rectangle 9">
             <a:extLst>
               <a:ext uri="{FF2B5EF4-FFF2-40B4-BE49-F238E27FC236}">
-                <a16:creationId xmlns:a16="http://schemas.microsoft.com/office/drawing/2014/main" xmlns="" id="{F1F7FD00-BF97-4325-B7C2-E451F20840A7}"/>
+                <a16:creationId xmlns="" xmlns:a16="http://schemas.microsoft.com/office/drawing/2014/main" id="{F1F7FD00-BF97-4325-B7C2-E451F20840A7}"/>
               </a:ext>
               <a:ext uri="{C183D7F6-B498-43B3-948B-1728B52AA6E4}">
-                <adec:decorative xmlns:adec="http://schemas.microsoft.com/office/drawing/2017/decorative" xmlns="" val="1"/>
+                <adec:decorative xmlns="" xmlns:adec="http://schemas.microsoft.com/office/drawing/2017/decorative" val="1"/>
               </a:ext>
             </a:extLst>
           </p:cNvPr>
@@ -9182,7 +9227,7 @@
           <p:nvPr>
             <p:extLst>
               <p:ext uri="{386F3935-93C4-4BCD-93E2-E3B085C9AB24}">
-                <p16:designElem xmlns:p16="http://schemas.microsoft.com/office/powerpoint/2015/main" xmlns="" val="1"/>
+                <p16:designElem xmlns="" xmlns:p16="http://schemas.microsoft.com/office/powerpoint/2015/main" val="1"/>
               </p:ext>
             </p:extLst>
           </p:nvPr>
@@ -9225,7 +9270,7 @@
           <p:cNvPr id="2" name="Title 1">
             <a:extLst>
               <a:ext uri="{FF2B5EF4-FFF2-40B4-BE49-F238E27FC236}">
-                <a16:creationId xmlns:a16="http://schemas.microsoft.com/office/drawing/2014/main" xmlns="" id="{705EB085-B337-4199-A40E-269BA49121BE}"/>
+                <a16:creationId xmlns="" xmlns:a16="http://schemas.microsoft.com/office/drawing/2014/main" id="{705EB085-B337-4199-A40E-269BA49121BE}"/>
               </a:ext>
             </a:extLst>
           </p:cNvPr>
@@ -9256,7 +9301,7 @@
               </a:rPr>
               <a:t>10. FEASIBILITY STUDY </a:t>
             </a:r>
-            <a:endParaRPr lang="en-PK" b="1" dirty="0">
+            <a:endParaRPr lang="x-none" b="1" dirty="0">
               <a:solidFill>
                 <a:srgbClr val="FFFFFF"/>
               </a:solidFill>
@@ -9269,10 +9314,10 @@
           <p:cNvPr id="12" name="Freeform 11">
             <a:extLst>
               <a:ext uri="{FF2B5EF4-FFF2-40B4-BE49-F238E27FC236}">
-                <a16:creationId xmlns:a16="http://schemas.microsoft.com/office/drawing/2014/main" xmlns="" id="{179B5294-DA4E-4926-B14A-DD6E07A12F67}"/>
+                <a16:creationId xmlns="" xmlns:a16="http://schemas.microsoft.com/office/drawing/2014/main" id="{179B5294-DA4E-4926-B14A-DD6E07A12F67}"/>
               </a:ext>
               <a:ext uri="{C183D7F6-B498-43B3-948B-1728B52AA6E4}">
-                <adec:decorative xmlns:adec="http://schemas.microsoft.com/office/drawing/2017/decorative" xmlns="" val="1"/>
+                <adec:decorative xmlns="" xmlns:adec="http://schemas.microsoft.com/office/drawing/2017/decorative" val="1"/>
               </a:ext>
             </a:extLst>
           </p:cNvPr>
@@ -9282,7 +9327,7 @@
           <p:nvPr>
             <p:extLst>
               <p:ext uri="{386F3935-93C4-4BCD-93E2-E3B085C9AB24}">
-                <p16:designElem xmlns:p16="http://schemas.microsoft.com/office/powerpoint/2015/main" xmlns="" val="1"/>
+                <p16:designElem xmlns="" xmlns:p16="http://schemas.microsoft.com/office/powerpoint/2015/main" val="1"/>
               </p:ext>
             </p:extLst>
           </p:nvPr>
@@ -9368,7 +9413,7 @@
           <p:cNvPr id="3" name="Content Placeholder 2">
             <a:extLst>
               <a:ext uri="{FF2B5EF4-FFF2-40B4-BE49-F238E27FC236}">
-                <a16:creationId xmlns:a16="http://schemas.microsoft.com/office/drawing/2014/main" xmlns="" id="{1BCF27F4-4012-444E-ABA3-F2CA4526047A}"/>
+                <a16:creationId xmlns="" xmlns:a16="http://schemas.microsoft.com/office/drawing/2014/main" id="{1BCF27F4-4012-444E-ABA3-F2CA4526047A}"/>
               </a:ext>
             </a:extLst>
           </p:cNvPr>
@@ -9391,20 +9436,27 @@
           </a:bodyPr>
           <a:lstStyle/>
           <a:p>
-            <a:endParaRPr lang="en-PK"/>
+            <a:endParaRPr lang="x-none"/>
           </a:p>
         </p:txBody>
       </p:sp>
     </p:spTree>
     <p:extLst>
       <p:ext uri="{BB962C8B-B14F-4D97-AF65-F5344CB8AC3E}">
-        <p14:creationId xmlns:p14="http://schemas.microsoft.com/office/powerpoint/2010/main" val="2977952652"/>
+        <p14:creationId xmlns:p14="http://schemas.microsoft.com/office/powerpoint/2010/main" xmlns="" val="2977952652"/>
       </p:ext>
     </p:extLst>
   </p:cSld>
   <p:clrMapOvr>
     <a:masterClrMapping/>
   </p:clrMapOvr>
+  <p:timing>
+    <p:tnLst>
+      <p:par>
+        <p:cTn id="1" dur="indefinite" restart="never" nodeType="tmRoot"/>
+      </p:par>
+    </p:tnLst>
+  </p:timing>
 </p:sld>
 </file>
 
@@ -9456,10 +9508,10 @@
           <p:cNvPr id="8" name="Rectangle 7">
             <a:extLst>
               <a:ext uri="{FF2B5EF4-FFF2-40B4-BE49-F238E27FC236}">
-                <a16:creationId xmlns:a16="http://schemas.microsoft.com/office/drawing/2014/main" xmlns="" id="{3A3C2D7E-3F2E-404E-9B30-CB12DC972D50}"/>
+                <a16:creationId xmlns="" xmlns:a16="http://schemas.microsoft.com/office/drawing/2014/main" id="{3A3C2D7E-3F2E-404E-9B30-CB12DC972D50}"/>
               </a:ext>
               <a:ext uri="{C183D7F6-B498-43B3-948B-1728B52AA6E4}">
-                <adec:decorative xmlns:adec="http://schemas.microsoft.com/office/drawing/2017/decorative" xmlns="" val="1"/>
+                <adec:decorative xmlns="" xmlns:adec="http://schemas.microsoft.com/office/drawing/2017/decorative" val="1"/>
               </a:ext>
             </a:extLst>
           </p:cNvPr>
@@ -9469,7 +9521,7 @@
           <p:nvPr>
             <p:extLst>
               <p:ext uri="{386F3935-93C4-4BCD-93E2-E3B085C9AB24}">
-                <p16:designElem xmlns:p16="http://schemas.microsoft.com/office/powerpoint/2015/main" xmlns="" val="1"/>
+                <p16:designElem xmlns="" xmlns:p16="http://schemas.microsoft.com/office/powerpoint/2015/main" val="1"/>
               </p:ext>
             </p:extLst>
           </p:nvPr>
@@ -9516,10 +9568,10 @@
           <p:cNvPr id="10" name="Rectangle 9">
             <a:extLst>
               <a:ext uri="{FF2B5EF4-FFF2-40B4-BE49-F238E27FC236}">
-                <a16:creationId xmlns:a16="http://schemas.microsoft.com/office/drawing/2014/main" xmlns="" id="{F1F7FD00-BF97-4325-B7C2-E451F20840A7}"/>
+                <a16:creationId xmlns="" xmlns:a16="http://schemas.microsoft.com/office/drawing/2014/main" id="{F1F7FD00-BF97-4325-B7C2-E451F20840A7}"/>
               </a:ext>
               <a:ext uri="{C183D7F6-B498-43B3-948B-1728B52AA6E4}">
-                <adec:decorative xmlns:adec="http://schemas.microsoft.com/office/drawing/2017/decorative" xmlns="" val="1"/>
+                <adec:decorative xmlns="" xmlns:adec="http://schemas.microsoft.com/office/drawing/2017/decorative" val="1"/>
               </a:ext>
             </a:extLst>
           </p:cNvPr>
@@ -9529,7 +9581,7 @@
           <p:nvPr>
             <p:extLst>
               <p:ext uri="{386F3935-93C4-4BCD-93E2-E3B085C9AB24}">
-                <p16:designElem xmlns:p16="http://schemas.microsoft.com/office/powerpoint/2015/main" xmlns="" val="1"/>
+                <p16:designElem xmlns="" xmlns:p16="http://schemas.microsoft.com/office/powerpoint/2015/main" val="1"/>
               </p:ext>
             </p:extLst>
           </p:nvPr>
@@ -9572,7 +9624,7 @@
           <p:cNvPr id="2" name="Title 1">
             <a:extLst>
               <a:ext uri="{FF2B5EF4-FFF2-40B4-BE49-F238E27FC236}">
-                <a16:creationId xmlns:a16="http://schemas.microsoft.com/office/drawing/2014/main" xmlns="" id="{938C7F7E-8CB2-47D8-95C9-439ED4C84A5C}"/>
+                <a16:creationId xmlns="" xmlns:a16="http://schemas.microsoft.com/office/drawing/2014/main" id="{938C7F7E-8CB2-47D8-95C9-439ED4C84A5C}"/>
               </a:ext>
             </a:extLst>
           </p:cNvPr>
@@ -9603,7 +9655,7 @@
               </a:rPr>
               <a:t>11. TARGET AUDIENCE </a:t>
             </a:r>
-            <a:endParaRPr lang="en-PK" b="1" dirty="0">
+            <a:endParaRPr lang="x-none" b="1" dirty="0">
               <a:solidFill>
                 <a:srgbClr val="FFFFFF"/>
               </a:solidFill>
@@ -9616,10 +9668,10 @@
           <p:cNvPr id="12" name="Freeform 11">
             <a:extLst>
               <a:ext uri="{FF2B5EF4-FFF2-40B4-BE49-F238E27FC236}">
-                <a16:creationId xmlns:a16="http://schemas.microsoft.com/office/drawing/2014/main" xmlns="" id="{179B5294-DA4E-4926-B14A-DD6E07A12F67}"/>
+                <a16:creationId xmlns="" xmlns:a16="http://schemas.microsoft.com/office/drawing/2014/main" id="{179B5294-DA4E-4926-B14A-DD6E07A12F67}"/>
               </a:ext>
               <a:ext uri="{C183D7F6-B498-43B3-948B-1728B52AA6E4}">
-                <adec:decorative xmlns:adec="http://schemas.microsoft.com/office/drawing/2017/decorative" xmlns="" val="1"/>
+                <adec:decorative xmlns="" xmlns:adec="http://schemas.microsoft.com/office/drawing/2017/decorative" val="1"/>
               </a:ext>
             </a:extLst>
           </p:cNvPr>
@@ -9629,7 +9681,7 @@
           <p:nvPr>
             <p:extLst>
               <p:ext uri="{386F3935-93C4-4BCD-93E2-E3B085C9AB24}">
-                <p16:designElem xmlns:p16="http://schemas.microsoft.com/office/powerpoint/2015/main" xmlns="" val="1"/>
+                <p16:designElem xmlns="" xmlns:p16="http://schemas.microsoft.com/office/powerpoint/2015/main" val="1"/>
               </p:ext>
             </p:extLst>
           </p:nvPr>
@@ -9715,7 +9767,7 @@
           <p:cNvPr id="3" name="Content Placeholder 2">
             <a:extLst>
               <a:ext uri="{FF2B5EF4-FFF2-40B4-BE49-F238E27FC236}">
-                <a16:creationId xmlns:a16="http://schemas.microsoft.com/office/drawing/2014/main" xmlns="" id="{851768BE-4C2A-4074-8BBD-DA6FCF8FB2EF}"/>
+                <a16:creationId xmlns="" xmlns:a16="http://schemas.microsoft.com/office/drawing/2014/main" id="{851768BE-4C2A-4074-8BBD-DA6FCF8FB2EF}"/>
               </a:ext>
             </a:extLst>
           </p:cNvPr>
@@ -9738,20 +9790,27 @@
           </a:bodyPr>
           <a:lstStyle/>
           <a:p>
-            <a:endParaRPr lang="en-PK"/>
+            <a:endParaRPr lang="x-none"/>
           </a:p>
         </p:txBody>
       </p:sp>
     </p:spTree>
     <p:extLst>
       <p:ext uri="{BB962C8B-B14F-4D97-AF65-F5344CB8AC3E}">
-        <p14:creationId xmlns:p14="http://schemas.microsoft.com/office/powerpoint/2010/main" val="245502956"/>
+        <p14:creationId xmlns:p14="http://schemas.microsoft.com/office/powerpoint/2010/main" xmlns="" val="245502956"/>
       </p:ext>
     </p:extLst>
   </p:cSld>
   <p:clrMapOvr>
     <a:masterClrMapping/>
   </p:clrMapOvr>
+  <p:timing>
+    <p:tnLst>
+      <p:par>
+        <p:cTn id="1" dur="indefinite" restart="never" nodeType="tmRoot"/>
+      </p:par>
+    </p:tnLst>
+  </p:timing>
 </p:sld>
 </file>
 
@@ -9803,10 +9862,10 @@
           <p:cNvPr id="8" name="Rectangle 7">
             <a:extLst>
               <a:ext uri="{FF2B5EF4-FFF2-40B4-BE49-F238E27FC236}">
-                <a16:creationId xmlns:a16="http://schemas.microsoft.com/office/drawing/2014/main" xmlns="" id="{3A3C2D7E-3F2E-404E-9B30-CB12DC972D50}"/>
+                <a16:creationId xmlns="" xmlns:a16="http://schemas.microsoft.com/office/drawing/2014/main" id="{3A3C2D7E-3F2E-404E-9B30-CB12DC972D50}"/>
               </a:ext>
               <a:ext uri="{C183D7F6-B498-43B3-948B-1728B52AA6E4}">
-                <adec:decorative xmlns:adec="http://schemas.microsoft.com/office/drawing/2017/decorative" xmlns="" val="1"/>
+                <adec:decorative xmlns="" xmlns:adec="http://schemas.microsoft.com/office/drawing/2017/decorative" val="1"/>
               </a:ext>
             </a:extLst>
           </p:cNvPr>
@@ -9816,7 +9875,7 @@
           <p:nvPr>
             <p:extLst>
               <p:ext uri="{386F3935-93C4-4BCD-93E2-E3B085C9AB24}">
-                <p16:designElem xmlns:p16="http://schemas.microsoft.com/office/powerpoint/2015/main" xmlns="" val="1"/>
+                <p16:designElem xmlns="" xmlns:p16="http://schemas.microsoft.com/office/powerpoint/2015/main" val="1"/>
               </p:ext>
             </p:extLst>
           </p:nvPr>
@@ -9863,10 +9922,10 @@
           <p:cNvPr id="10" name="Rectangle 9">
             <a:extLst>
               <a:ext uri="{FF2B5EF4-FFF2-40B4-BE49-F238E27FC236}">
-                <a16:creationId xmlns:a16="http://schemas.microsoft.com/office/drawing/2014/main" xmlns="" id="{F1F7FD00-BF97-4325-B7C2-E451F20840A7}"/>
+                <a16:creationId xmlns="" xmlns:a16="http://schemas.microsoft.com/office/drawing/2014/main" id="{F1F7FD00-BF97-4325-B7C2-E451F20840A7}"/>
               </a:ext>
               <a:ext uri="{C183D7F6-B498-43B3-948B-1728B52AA6E4}">
-                <adec:decorative xmlns:adec="http://schemas.microsoft.com/office/drawing/2017/decorative" xmlns="" val="1"/>
+                <adec:decorative xmlns="" xmlns:adec="http://schemas.microsoft.com/office/drawing/2017/decorative" val="1"/>
               </a:ext>
             </a:extLst>
           </p:cNvPr>
@@ -9876,7 +9935,7 @@
           <p:nvPr>
             <p:extLst>
               <p:ext uri="{386F3935-93C4-4BCD-93E2-E3B085C9AB24}">
-                <p16:designElem xmlns:p16="http://schemas.microsoft.com/office/powerpoint/2015/main" xmlns="" val="1"/>
+                <p16:designElem xmlns="" xmlns:p16="http://schemas.microsoft.com/office/powerpoint/2015/main" val="1"/>
               </p:ext>
             </p:extLst>
           </p:nvPr>
@@ -9919,7 +9978,7 @@
           <p:cNvPr id="2" name="Title 1">
             <a:extLst>
               <a:ext uri="{FF2B5EF4-FFF2-40B4-BE49-F238E27FC236}">
-                <a16:creationId xmlns:a16="http://schemas.microsoft.com/office/drawing/2014/main" xmlns="" id="{5C40D58B-9133-4C06-AAD6-7E29E772C732}"/>
+                <a16:creationId xmlns="" xmlns:a16="http://schemas.microsoft.com/office/drawing/2014/main" id="{5C40D58B-9133-4C06-AAD6-7E29E772C732}"/>
               </a:ext>
             </a:extLst>
           </p:cNvPr>
@@ -9950,7 +10009,7 @@
               </a:rPr>
               <a:t>12. LIMITATIONS AND CHALLENGES</a:t>
             </a:r>
-            <a:endParaRPr lang="en-PK" b="1" dirty="0">
+            <a:endParaRPr lang="x-none" b="1" dirty="0">
               <a:solidFill>
                 <a:srgbClr val="FFFFFF"/>
               </a:solidFill>
@@ -9963,10 +10022,10 @@
           <p:cNvPr id="12" name="Freeform 11">
             <a:extLst>
               <a:ext uri="{FF2B5EF4-FFF2-40B4-BE49-F238E27FC236}">
-                <a16:creationId xmlns:a16="http://schemas.microsoft.com/office/drawing/2014/main" xmlns="" id="{179B5294-DA4E-4926-B14A-DD6E07A12F67}"/>
+                <a16:creationId xmlns="" xmlns:a16="http://schemas.microsoft.com/office/drawing/2014/main" id="{179B5294-DA4E-4926-B14A-DD6E07A12F67}"/>
               </a:ext>
               <a:ext uri="{C183D7F6-B498-43B3-948B-1728B52AA6E4}">
-                <adec:decorative xmlns:adec="http://schemas.microsoft.com/office/drawing/2017/decorative" xmlns="" val="1"/>
+                <adec:decorative xmlns="" xmlns:adec="http://schemas.microsoft.com/office/drawing/2017/decorative" val="1"/>
               </a:ext>
             </a:extLst>
           </p:cNvPr>
@@ -9976,7 +10035,7 @@
           <p:nvPr>
             <p:extLst>
               <p:ext uri="{386F3935-93C4-4BCD-93E2-E3B085C9AB24}">
-                <p16:designElem xmlns:p16="http://schemas.microsoft.com/office/powerpoint/2015/main" xmlns="" val="1"/>
+                <p16:designElem xmlns="" xmlns:p16="http://schemas.microsoft.com/office/powerpoint/2015/main" val="1"/>
               </p:ext>
             </p:extLst>
           </p:nvPr>
@@ -10062,7 +10121,7 @@
           <p:cNvPr id="3" name="Content Placeholder 2">
             <a:extLst>
               <a:ext uri="{FF2B5EF4-FFF2-40B4-BE49-F238E27FC236}">
-                <a16:creationId xmlns:a16="http://schemas.microsoft.com/office/drawing/2014/main" xmlns="" id="{7D0FD512-3ED8-4D99-AC7E-FFC3F80BEE8B}"/>
+                <a16:creationId xmlns="" xmlns:a16="http://schemas.microsoft.com/office/drawing/2014/main" id="{7D0FD512-3ED8-4D99-AC7E-FFC3F80BEE8B}"/>
               </a:ext>
             </a:extLst>
           </p:cNvPr>
@@ -10085,20 +10144,27 @@
           </a:bodyPr>
           <a:lstStyle/>
           <a:p>
-            <a:endParaRPr lang="en-PK"/>
+            <a:endParaRPr lang="x-none"/>
           </a:p>
         </p:txBody>
       </p:sp>
     </p:spTree>
     <p:extLst>
       <p:ext uri="{BB962C8B-B14F-4D97-AF65-F5344CB8AC3E}">
-        <p14:creationId xmlns:p14="http://schemas.microsoft.com/office/powerpoint/2010/main" val="1587355965"/>
+        <p14:creationId xmlns:p14="http://schemas.microsoft.com/office/powerpoint/2010/main" xmlns="" val="1587355965"/>
       </p:ext>
     </p:extLst>
   </p:cSld>
   <p:clrMapOvr>
     <a:masterClrMapping/>
   </p:clrMapOvr>
+  <p:timing>
+    <p:tnLst>
+      <p:par>
+        <p:cTn id="1" dur="indefinite" restart="never" nodeType="tmRoot"/>
+      </p:par>
+    </p:tnLst>
+  </p:timing>
 </p:sld>
 </file>
 
@@ -10124,7 +10190,7 @@
           <p:cNvPr id="5" name="Content Placeholder 4" descr="A close up of a logo&#10;&#10;Description automatically generated">
             <a:extLst>
               <a:ext uri="{FF2B5EF4-FFF2-40B4-BE49-F238E27FC236}">
-                <a16:creationId xmlns:a16="http://schemas.microsoft.com/office/drawing/2014/main" xmlns="" id="{C1A8FEED-AADA-461C-9F95-1647F28E3199}"/>
+                <a16:creationId xmlns="" xmlns:a16="http://schemas.microsoft.com/office/drawing/2014/main" id="{C1A8FEED-AADA-461C-9F95-1647F28E3199}"/>
               </a:ext>
             </a:extLst>
           </p:cNvPr>
@@ -10151,13 +10217,20 @@
     </p:spTree>
     <p:extLst>
       <p:ext uri="{BB962C8B-B14F-4D97-AF65-F5344CB8AC3E}">
-        <p14:creationId xmlns:p14="http://schemas.microsoft.com/office/powerpoint/2010/main" val="4224507378"/>
+        <p14:creationId xmlns:p14="http://schemas.microsoft.com/office/powerpoint/2010/main" xmlns="" val="4224507378"/>
       </p:ext>
     </p:extLst>
   </p:cSld>
   <p:clrMapOvr>
     <a:masterClrMapping/>
   </p:clrMapOvr>
+  <p:timing>
+    <p:tnLst>
+      <p:par>
+        <p:cTn id="1" dur="indefinite" restart="never" nodeType="tmRoot"/>
+      </p:par>
+    </p:tnLst>
+  </p:timing>
 </p:sld>
 </file>
 
@@ -10209,10 +10282,10 @@
           <p:cNvPr id="8" name="Rectangle 7">
             <a:extLst>
               <a:ext uri="{FF2B5EF4-FFF2-40B4-BE49-F238E27FC236}">
-                <a16:creationId xmlns:a16="http://schemas.microsoft.com/office/drawing/2014/main" xmlns="" id="{3A3C2D7E-3F2E-404E-9B30-CB12DC972D50}"/>
+                <a16:creationId xmlns="" xmlns:a16="http://schemas.microsoft.com/office/drawing/2014/main" id="{3A3C2D7E-3F2E-404E-9B30-CB12DC972D50}"/>
               </a:ext>
               <a:ext uri="{C183D7F6-B498-43B3-948B-1728B52AA6E4}">
-                <adec:decorative xmlns:adec="http://schemas.microsoft.com/office/drawing/2017/decorative" xmlns="" val="1"/>
+                <adec:decorative xmlns="" xmlns:adec="http://schemas.microsoft.com/office/drawing/2017/decorative" val="1"/>
               </a:ext>
             </a:extLst>
           </p:cNvPr>
@@ -10222,7 +10295,7 @@
           <p:nvPr>
             <p:extLst>
               <p:ext uri="{386F3935-93C4-4BCD-93E2-E3B085C9AB24}">
-                <p16:designElem xmlns:p16="http://schemas.microsoft.com/office/powerpoint/2015/main" xmlns="" val="1"/>
+                <p16:designElem xmlns="" xmlns:p16="http://schemas.microsoft.com/office/powerpoint/2015/main" val="1"/>
               </p:ext>
             </p:extLst>
           </p:nvPr>
@@ -10269,10 +10342,10 @@
           <p:cNvPr id="10" name="Rectangle 9">
             <a:extLst>
               <a:ext uri="{FF2B5EF4-FFF2-40B4-BE49-F238E27FC236}">
-                <a16:creationId xmlns:a16="http://schemas.microsoft.com/office/drawing/2014/main" xmlns="" id="{F1F7FD00-BF97-4325-B7C2-E451F20840A7}"/>
+                <a16:creationId xmlns="" xmlns:a16="http://schemas.microsoft.com/office/drawing/2014/main" id="{F1F7FD00-BF97-4325-B7C2-E451F20840A7}"/>
               </a:ext>
               <a:ext uri="{C183D7F6-B498-43B3-948B-1728B52AA6E4}">
-                <adec:decorative xmlns:adec="http://schemas.microsoft.com/office/drawing/2017/decorative" xmlns="" val="1"/>
+                <adec:decorative xmlns="" xmlns:adec="http://schemas.microsoft.com/office/drawing/2017/decorative" val="1"/>
               </a:ext>
             </a:extLst>
           </p:cNvPr>
@@ -10282,7 +10355,7 @@
           <p:nvPr>
             <p:extLst>
               <p:ext uri="{386F3935-93C4-4BCD-93E2-E3B085C9AB24}">
-                <p16:designElem xmlns:p16="http://schemas.microsoft.com/office/powerpoint/2015/main" xmlns="" val="1"/>
+                <p16:designElem xmlns="" xmlns:p16="http://schemas.microsoft.com/office/powerpoint/2015/main" val="1"/>
               </p:ext>
             </p:extLst>
           </p:nvPr>
@@ -10325,7 +10398,7 @@
           <p:cNvPr id="2" name="Title 1">
             <a:extLst>
               <a:ext uri="{FF2B5EF4-FFF2-40B4-BE49-F238E27FC236}">
-                <a16:creationId xmlns:a16="http://schemas.microsoft.com/office/drawing/2014/main" xmlns="" id="{BA2BFF53-F080-4837-B3FC-77C4CC391CF6}"/>
+                <a16:creationId xmlns="" xmlns:a16="http://schemas.microsoft.com/office/drawing/2014/main" id="{BA2BFF53-F080-4837-B3FC-77C4CC391CF6}"/>
               </a:ext>
             </a:extLst>
           </p:cNvPr>
@@ -10356,7 +10429,7 @@
               </a:rPr>
               <a:t>1.  OVERVIEW OF PROJECT</a:t>
             </a:r>
-            <a:endParaRPr lang="en-PK" b="1" dirty="0">
+            <a:endParaRPr lang="x-none" b="1" dirty="0">
               <a:solidFill>
                 <a:srgbClr val="FFFFFF"/>
               </a:solidFill>
@@ -10369,10 +10442,10 @@
           <p:cNvPr id="12" name="Freeform 11">
             <a:extLst>
               <a:ext uri="{FF2B5EF4-FFF2-40B4-BE49-F238E27FC236}">
-                <a16:creationId xmlns:a16="http://schemas.microsoft.com/office/drawing/2014/main" xmlns="" id="{179B5294-DA4E-4926-B14A-DD6E07A12F67}"/>
+                <a16:creationId xmlns="" xmlns:a16="http://schemas.microsoft.com/office/drawing/2014/main" id="{179B5294-DA4E-4926-B14A-DD6E07A12F67}"/>
               </a:ext>
               <a:ext uri="{C183D7F6-B498-43B3-948B-1728B52AA6E4}">
-                <adec:decorative xmlns:adec="http://schemas.microsoft.com/office/drawing/2017/decorative" xmlns="" val="1"/>
+                <adec:decorative xmlns="" xmlns:adec="http://schemas.microsoft.com/office/drawing/2017/decorative" val="1"/>
               </a:ext>
             </a:extLst>
           </p:cNvPr>
@@ -10382,7 +10455,7 @@
           <p:nvPr>
             <p:extLst>
               <p:ext uri="{386F3935-93C4-4BCD-93E2-E3B085C9AB24}">
-                <p16:designElem xmlns:p16="http://schemas.microsoft.com/office/powerpoint/2015/main" xmlns="" val="1"/>
+                <p16:designElem xmlns="" xmlns:p16="http://schemas.microsoft.com/office/powerpoint/2015/main" val="1"/>
               </p:ext>
             </p:extLst>
           </p:nvPr>
@@ -10468,7 +10541,7 @@
           <p:cNvPr id="3" name="Content Placeholder 2">
             <a:extLst>
               <a:ext uri="{FF2B5EF4-FFF2-40B4-BE49-F238E27FC236}">
-                <a16:creationId xmlns:a16="http://schemas.microsoft.com/office/drawing/2014/main" xmlns="" id="{5AE71383-70B6-4A9E-A22E-EE6057E31C1C}"/>
+                <a16:creationId xmlns="" xmlns:a16="http://schemas.microsoft.com/office/drawing/2014/main" id="{5AE71383-70B6-4A9E-A22E-EE6057E31C1C}"/>
               </a:ext>
             </a:extLst>
           </p:cNvPr>
@@ -10590,14 +10663,14 @@
               <a:rPr lang="en-US" sz="2000" dirty="0"/>
               <a:t>, front-view and side-view.</a:t>
             </a:r>
-            <a:endParaRPr lang="en-PK" sz="2000" dirty="0"/>
+            <a:endParaRPr lang="x-none" sz="2000" dirty="0"/>
           </a:p>
         </p:txBody>
       </p:sp>
     </p:spTree>
     <p:extLst>
       <p:ext uri="{BB962C8B-B14F-4D97-AF65-F5344CB8AC3E}">
-        <p14:creationId xmlns:p14="http://schemas.microsoft.com/office/powerpoint/2010/main" val="3397500478"/>
+        <p14:creationId xmlns:p14="http://schemas.microsoft.com/office/powerpoint/2010/main" xmlns="" val="3397500478"/>
       </p:ext>
     </p:extLst>
   </p:cSld>
@@ -10655,10 +10728,10 @@
           <p:cNvPr id="8" name="Rectangle 7">
             <a:extLst>
               <a:ext uri="{FF2B5EF4-FFF2-40B4-BE49-F238E27FC236}">
-                <a16:creationId xmlns:a16="http://schemas.microsoft.com/office/drawing/2014/main" xmlns="" id="{3A3C2D7E-3F2E-404E-9B30-CB12DC972D50}"/>
+                <a16:creationId xmlns="" xmlns:a16="http://schemas.microsoft.com/office/drawing/2014/main" id="{3A3C2D7E-3F2E-404E-9B30-CB12DC972D50}"/>
               </a:ext>
               <a:ext uri="{C183D7F6-B498-43B3-948B-1728B52AA6E4}">
-                <adec:decorative xmlns:adec="http://schemas.microsoft.com/office/drawing/2017/decorative" xmlns="" val="1"/>
+                <adec:decorative xmlns="" xmlns:adec="http://schemas.microsoft.com/office/drawing/2017/decorative" val="1"/>
               </a:ext>
             </a:extLst>
           </p:cNvPr>
@@ -10668,7 +10741,7 @@
           <p:nvPr>
             <p:extLst>
               <p:ext uri="{386F3935-93C4-4BCD-93E2-E3B085C9AB24}">
-                <p16:designElem xmlns:p16="http://schemas.microsoft.com/office/powerpoint/2015/main" xmlns="" val="1"/>
+                <p16:designElem xmlns="" xmlns:p16="http://schemas.microsoft.com/office/powerpoint/2015/main" val="1"/>
               </p:ext>
             </p:extLst>
           </p:nvPr>
@@ -10715,10 +10788,10 @@
           <p:cNvPr id="10" name="Rectangle 9">
             <a:extLst>
               <a:ext uri="{FF2B5EF4-FFF2-40B4-BE49-F238E27FC236}">
-                <a16:creationId xmlns:a16="http://schemas.microsoft.com/office/drawing/2014/main" xmlns="" id="{F1F7FD00-BF97-4325-B7C2-E451F20840A7}"/>
+                <a16:creationId xmlns="" xmlns:a16="http://schemas.microsoft.com/office/drawing/2014/main" id="{F1F7FD00-BF97-4325-B7C2-E451F20840A7}"/>
               </a:ext>
               <a:ext uri="{C183D7F6-B498-43B3-948B-1728B52AA6E4}">
-                <adec:decorative xmlns:adec="http://schemas.microsoft.com/office/drawing/2017/decorative" xmlns="" val="1"/>
+                <adec:decorative xmlns="" xmlns:adec="http://schemas.microsoft.com/office/drawing/2017/decorative" val="1"/>
               </a:ext>
             </a:extLst>
           </p:cNvPr>
@@ -10728,7 +10801,7 @@
           <p:nvPr>
             <p:extLst>
               <p:ext uri="{386F3935-93C4-4BCD-93E2-E3B085C9AB24}">
-                <p16:designElem xmlns:p16="http://schemas.microsoft.com/office/powerpoint/2015/main" xmlns="" val="1"/>
+                <p16:designElem xmlns="" xmlns:p16="http://schemas.microsoft.com/office/powerpoint/2015/main" val="1"/>
               </p:ext>
             </p:extLst>
           </p:nvPr>
@@ -10771,7 +10844,7 @@
           <p:cNvPr id="2" name="Title 1">
             <a:extLst>
               <a:ext uri="{FF2B5EF4-FFF2-40B4-BE49-F238E27FC236}">
-                <a16:creationId xmlns:a16="http://schemas.microsoft.com/office/drawing/2014/main" xmlns="" id="{62E540F1-2380-4634-BD56-DBBD8B0EB077}"/>
+                <a16:creationId xmlns="" xmlns:a16="http://schemas.microsoft.com/office/drawing/2014/main" id="{62E540F1-2380-4634-BD56-DBBD8B0EB077}"/>
               </a:ext>
             </a:extLst>
           </p:cNvPr>
@@ -10802,7 +10875,7 @@
               </a:rPr>
               <a:t>1.1 PROBLEM STATEMENT</a:t>
             </a:r>
-            <a:endParaRPr lang="en-PK" b="1" dirty="0">
+            <a:endParaRPr lang="x-none" b="1" dirty="0">
               <a:solidFill>
                 <a:srgbClr val="FFFFFF"/>
               </a:solidFill>
@@ -10815,10 +10888,10 @@
           <p:cNvPr id="12" name="Freeform 11">
             <a:extLst>
               <a:ext uri="{FF2B5EF4-FFF2-40B4-BE49-F238E27FC236}">
-                <a16:creationId xmlns:a16="http://schemas.microsoft.com/office/drawing/2014/main" xmlns="" id="{179B5294-DA4E-4926-B14A-DD6E07A12F67}"/>
+                <a16:creationId xmlns="" xmlns:a16="http://schemas.microsoft.com/office/drawing/2014/main" id="{179B5294-DA4E-4926-B14A-DD6E07A12F67}"/>
               </a:ext>
               <a:ext uri="{C183D7F6-B498-43B3-948B-1728B52AA6E4}">
-                <adec:decorative xmlns:adec="http://schemas.microsoft.com/office/drawing/2017/decorative" xmlns="" val="1"/>
+                <adec:decorative xmlns="" xmlns:adec="http://schemas.microsoft.com/office/drawing/2017/decorative" val="1"/>
               </a:ext>
             </a:extLst>
           </p:cNvPr>
@@ -10828,7 +10901,7 @@
           <p:nvPr>
             <p:extLst>
               <p:ext uri="{386F3935-93C4-4BCD-93E2-E3B085C9AB24}">
-                <p16:designElem xmlns:p16="http://schemas.microsoft.com/office/powerpoint/2015/main" xmlns="" val="1"/>
+                <p16:designElem xmlns="" xmlns:p16="http://schemas.microsoft.com/office/powerpoint/2015/main" val="1"/>
               </p:ext>
             </p:extLst>
           </p:nvPr>
@@ -10914,7 +10987,7 @@
           <p:cNvPr id="3" name="Content Placeholder 2">
             <a:extLst>
               <a:ext uri="{FF2B5EF4-FFF2-40B4-BE49-F238E27FC236}">
-                <a16:creationId xmlns:a16="http://schemas.microsoft.com/office/drawing/2014/main" xmlns="" id="{9C657378-D759-4613-A83A-E0D10AE57573}"/>
+                <a16:creationId xmlns="" xmlns:a16="http://schemas.microsoft.com/office/drawing/2014/main" id="{9C657378-D759-4613-A83A-E0D10AE57573}"/>
               </a:ext>
             </a:extLst>
           </p:cNvPr>
@@ -10988,14 +11061,14 @@
               <a:rPr lang="en-GB" sz="2000" dirty="0"/>
               <a:t>plan into 3-D.</a:t>
             </a:r>
-            <a:endParaRPr lang="en-PK" sz="2000" dirty="0"/>
+            <a:endParaRPr lang="x-none" sz="2000" dirty="0"/>
           </a:p>
         </p:txBody>
       </p:sp>
     </p:spTree>
     <p:extLst>
       <p:ext uri="{BB962C8B-B14F-4D97-AF65-F5344CB8AC3E}">
-        <p14:creationId xmlns:p14="http://schemas.microsoft.com/office/powerpoint/2010/main" val="1558129202"/>
+        <p14:creationId xmlns:p14="http://schemas.microsoft.com/office/powerpoint/2010/main" xmlns="" val="1558129202"/>
       </p:ext>
     </p:extLst>
   </p:cSld>
@@ -11053,10 +11126,10 @@
           <p:cNvPr id="8" name="Rectangle 7">
             <a:extLst>
               <a:ext uri="{FF2B5EF4-FFF2-40B4-BE49-F238E27FC236}">
-                <a16:creationId xmlns:a16="http://schemas.microsoft.com/office/drawing/2014/main" xmlns="" id="{3A3C2D7E-3F2E-404E-9B30-CB12DC972D50}"/>
+                <a16:creationId xmlns="" xmlns:a16="http://schemas.microsoft.com/office/drawing/2014/main" id="{3A3C2D7E-3F2E-404E-9B30-CB12DC972D50}"/>
               </a:ext>
               <a:ext uri="{C183D7F6-B498-43B3-948B-1728B52AA6E4}">
-                <adec:decorative xmlns:adec="http://schemas.microsoft.com/office/drawing/2017/decorative" xmlns="" val="1"/>
+                <adec:decorative xmlns="" xmlns:adec="http://schemas.microsoft.com/office/drawing/2017/decorative" val="1"/>
               </a:ext>
             </a:extLst>
           </p:cNvPr>
@@ -11066,7 +11139,7 @@
           <p:nvPr>
             <p:extLst>
               <p:ext uri="{386F3935-93C4-4BCD-93E2-E3B085C9AB24}">
-                <p16:designElem xmlns:p16="http://schemas.microsoft.com/office/powerpoint/2015/main" xmlns="" val="1"/>
+                <p16:designElem xmlns="" xmlns:p16="http://schemas.microsoft.com/office/powerpoint/2015/main" val="1"/>
               </p:ext>
             </p:extLst>
           </p:nvPr>
@@ -11113,10 +11186,10 @@
           <p:cNvPr id="10" name="Rectangle 9">
             <a:extLst>
               <a:ext uri="{FF2B5EF4-FFF2-40B4-BE49-F238E27FC236}">
-                <a16:creationId xmlns:a16="http://schemas.microsoft.com/office/drawing/2014/main" xmlns="" id="{F1F7FD00-BF97-4325-B7C2-E451F20840A7}"/>
+                <a16:creationId xmlns="" xmlns:a16="http://schemas.microsoft.com/office/drawing/2014/main" id="{F1F7FD00-BF97-4325-B7C2-E451F20840A7}"/>
               </a:ext>
               <a:ext uri="{C183D7F6-B498-43B3-948B-1728B52AA6E4}">
-                <adec:decorative xmlns:adec="http://schemas.microsoft.com/office/drawing/2017/decorative" xmlns="" val="1"/>
+                <adec:decorative xmlns="" xmlns:adec="http://schemas.microsoft.com/office/drawing/2017/decorative" val="1"/>
               </a:ext>
             </a:extLst>
           </p:cNvPr>
@@ -11126,7 +11199,7 @@
           <p:nvPr>
             <p:extLst>
               <p:ext uri="{386F3935-93C4-4BCD-93E2-E3B085C9AB24}">
-                <p16:designElem xmlns:p16="http://schemas.microsoft.com/office/powerpoint/2015/main" xmlns="" val="1"/>
+                <p16:designElem xmlns="" xmlns:p16="http://schemas.microsoft.com/office/powerpoint/2015/main" val="1"/>
               </p:ext>
             </p:extLst>
           </p:nvPr>
@@ -11169,7 +11242,7 @@
           <p:cNvPr id="2" name="Title 1">
             <a:extLst>
               <a:ext uri="{FF2B5EF4-FFF2-40B4-BE49-F238E27FC236}">
-                <a16:creationId xmlns:a16="http://schemas.microsoft.com/office/drawing/2014/main" xmlns="" id="{843E6C78-7685-4403-BADC-60464B539E9E}"/>
+                <a16:creationId xmlns="" xmlns:a16="http://schemas.microsoft.com/office/drawing/2014/main" id="{843E6C78-7685-4403-BADC-60464B539E9E}"/>
               </a:ext>
             </a:extLst>
           </p:cNvPr>
@@ -11200,7 +11273,7 @@
               </a:rPr>
               <a:t>1.2 MOTIVATION</a:t>
             </a:r>
-            <a:endParaRPr lang="en-PK" b="1" dirty="0">
+            <a:endParaRPr lang="x-none" b="1" dirty="0">
               <a:solidFill>
                 <a:srgbClr val="FFFFFF"/>
               </a:solidFill>
@@ -11213,10 +11286,10 @@
           <p:cNvPr id="12" name="Freeform 11">
             <a:extLst>
               <a:ext uri="{FF2B5EF4-FFF2-40B4-BE49-F238E27FC236}">
-                <a16:creationId xmlns:a16="http://schemas.microsoft.com/office/drawing/2014/main" xmlns="" id="{179B5294-DA4E-4926-B14A-DD6E07A12F67}"/>
+                <a16:creationId xmlns="" xmlns:a16="http://schemas.microsoft.com/office/drawing/2014/main" id="{179B5294-DA4E-4926-B14A-DD6E07A12F67}"/>
               </a:ext>
               <a:ext uri="{C183D7F6-B498-43B3-948B-1728B52AA6E4}">
-                <adec:decorative xmlns:adec="http://schemas.microsoft.com/office/drawing/2017/decorative" xmlns="" val="1"/>
+                <adec:decorative xmlns="" xmlns:adec="http://schemas.microsoft.com/office/drawing/2017/decorative" val="1"/>
               </a:ext>
             </a:extLst>
           </p:cNvPr>
@@ -11226,7 +11299,7 @@
           <p:nvPr>
             <p:extLst>
               <p:ext uri="{386F3935-93C4-4BCD-93E2-E3B085C9AB24}">
-                <p16:designElem xmlns:p16="http://schemas.microsoft.com/office/powerpoint/2015/main" xmlns="" val="1"/>
+                <p16:designElem xmlns="" xmlns:p16="http://schemas.microsoft.com/office/powerpoint/2015/main" val="1"/>
               </p:ext>
             </p:extLst>
           </p:nvPr>
@@ -11312,7 +11385,7 @@
           <p:cNvPr id="3" name="Content Placeholder 2">
             <a:extLst>
               <a:ext uri="{FF2B5EF4-FFF2-40B4-BE49-F238E27FC236}">
-                <a16:creationId xmlns:a16="http://schemas.microsoft.com/office/drawing/2014/main" xmlns="" id="{8655DB9D-1B3D-4B0F-94E2-81A0447A5E64}"/>
+                <a16:creationId xmlns="" xmlns:a16="http://schemas.microsoft.com/office/drawing/2014/main" id="{8655DB9D-1B3D-4B0F-94E2-81A0447A5E64}"/>
               </a:ext>
             </a:extLst>
           </p:cNvPr>
@@ -11382,14 +11455,14 @@
               <a:rPr lang="en-GB" dirty="0"/>
               <a:t>plan image by just clicking a button.</a:t>
             </a:r>
-            <a:endParaRPr lang="en-PK" dirty="0"/>
+            <a:endParaRPr lang="x-none" dirty="0"/>
           </a:p>
         </p:txBody>
       </p:sp>
     </p:spTree>
     <p:extLst>
       <p:ext uri="{BB962C8B-B14F-4D97-AF65-F5344CB8AC3E}">
-        <p14:creationId xmlns:p14="http://schemas.microsoft.com/office/powerpoint/2010/main" val="3887177886"/>
+        <p14:creationId xmlns:p14="http://schemas.microsoft.com/office/powerpoint/2010/main" xmlns="" val="3887177886"/>
       </p:ext>
     </p:extLst>
   </p:cSld>
@@ -11447,10 +11520,10 @@
           <p:cNvPr id="8" name="Rectangle 7">
             <a:extLst>
               <a:ext uri="{FF2B5EF4-FFF2-40B4-BE49-F238E27FC236}">
-                <a16:creationId xmlns:a16="http://schemas.microsoft.com/office/drawing/2014/main" xmlns="" id="{3A3C2D7E-3F2E-404E-9B30-CB12DC972D50}"/>
+                <a16:creationId xmlns="" xmlns:a16="http://schemas.microsoft.com/office/drawing/2014/main" id="{3A3C2D7E-3F2E-404E-9B30-CB12DC972D50}"/>
               </a:ext>
               <a:ext uri="{C183D7F6-B498-43B3-948B-1728B52AA6E4}">
-                <adec:decorative xmlns:adec="http://schemas.microsoft.com/office/drawing/2017/decorative" xmlns="" val="1"/>
+                <adec:decorative xmlns="" xmlns:adec="http://schemas.microsoft.com/office/drawing/2017/decorative" val="1"/>
               </a:ext>
             </a:extLst>
           </p:cNvPr>
@@ -11460,7 +11533,7 @@
           <p:nvPr>
             <p:extLst>
               <p:ext uri="{386F3935-93C4-4BCD-93E2-E3B085C9AB24}">
-                <p16:designElem xmlns:p16="http://schemas.microsoft.com/office/powerpoint/2015/main" xmlns="" val="1"/>
+                <p16:designElem xmlns="" xmlns:p16="http://schemas.microsoft.com/office/powerpoint/2015/main" val="1"/>
               </p:ext>
             </p:extLst>
           </p:nvPr>
@@ -11507,10 +11580,10 @@
           <p:cNvPr id="10" name="Rectangle 9">
             <a:extLst>
               <a:ext uri="{FF2B5EF4-FFF2-40B4-BE49-F238E27FC236}">
-                <a16:creationId xmlns:a16="http://schemas.microsoft.com/office/drawing/2014/main" xmlns="" id="{F1F7FD00-BF97-4325-B7C2-E451F20840A7}"/>
+                <a16:creationId xmlns="" xmlns:a16="http://schemas.microsoft.com/office/drawing/2014/main" id="{F1F7FD00-BF97-4325-B7C2-E451F20840A7}"/>
               </a:ext>
               <a:ext uri="{C183D7F6-B498-43B3-948B-1728B52AA6E4}">
-                <adec:decorative xmlns:adec="http://schemas.microsoft.com/office/drawing/2017/decorative" xmlns="" val="1"/>
+                <adec:decorative xmlns="" xmlns:adec="http://schemas.microsoft.com/office/drawing/2017/decorative" val="1"/>
               </a:ext>
             </a:extLst>
           </p:cNvPr>
@@ -11520,7 +11593,7 @@
           <p:nvPr>
             <p:extLst>
               <p:ext uri="{386F3935-93C4-4BCD-93E2-E3B085C9AB24}">
-                <p16:designElem xmlns:p16="http://schemas.microsoft.com/office/powerpoint/2015/main" xmlns="" val="1"/>
+                <p16:designElem xmlns="" xmlns:p16="http://schemas.microsoft.com/office/powerpoint/2015/main" val="1"/>
               </p:ext>
             </p:extLst>
           </p:nvPr>
@@ -11563,7 +11636,7 @@
           <p:cNvPr id="2" name="Title 1">
             <a:extLst>
               <a:ext uri="{FF2B5EF4-FFF2-40B4-BE49-F238E27FC236}">
-                <a16:creationId xmlns:a16="http://schemas.microsoft.com/office/drawing/2014/main" xmlns="" id="{0652C70D-7098-408E-880E-3F22F905AF82}"/>
+                <a16:creationId xmlns="" xmlns:a16="http://schemas.microsoft.com/office/drawing/2014/main" id="{0652C70D-7098-408E-880E-3F22F905AF82}"/>
               </a:ext>
             </a:extLst>
           </p:cNvPr>
@@ -11594,7 +11667,7 @@
               </a:rPr>
               <a:t>2. OBJECTIVE OF PROJECT</a:t>
             </a:r>
-            <a:endParaRPr lang="en-PK" b="1">
+            <a:endParaRPr lang="x-none" b="1">
               <a:solidFill>
                 <a:srgbClr val="FFFFFF"/>
               </a:solidFill>
@@ -11607,10 +11680,10 @@
           <p:cNvPr id="12" name="Freeform 11">
             <a:extLst>
               <a:ext uri="{FF2B5EF4-FFF2-40B4-BE49-F238E27FC236}">
-                <a16:creationId xmlns:a16="http://schemas.microsoft.com/office/drawing/2014/main" xmlns="" id="{179B5294-DA4E-4926-B14A-DD6E07A12F67}"/>
+                <a16:creationId xmlns="" xmlns:a16="http://schemas.microsoft.com/office/drawing/2014/main" id="{179B5294-DA4E-4926-B14A-DD6E07A12F67}"/>
               </a:ext>
               <a:ext uri="{C183D7F6-B498-43B3-948B-1728B52AA6E4}">
-                <adec:decorative xmlns:adec="http://schemas.microsoft.com/office/drawing/2017/decorative" xmlns="" val="1"/>
+                <adec:decorative xmlns="" xmlns:adec="http://schemas.microsoft.com/office/drawing/2017/decorative" val="1"/>
               </a:ext>
             </a:extLst>
           </p:cNvPr>
@@ -11620,7 +11693,7 @@
           <p:nvPr>
             <p:extLst>
               <p:ext uri="{386F3935-93C4-4BCD-93E2-E3B085C9AB24}">
-                <p16:designElem xmlns:p16="http://schemas.microsoft.com/office/powerpoint/2015/main" xmlns="" val="1"/>
+                <p16:designElem xmlns="" xmlns:p16="http://schemas.microsoft.com/office/powerpoint/2015/main" val="1"/>
               </p:ext>
             </p:extLst>
           </p:nvPr>
@@ -11706,7 +11779,7 @@
           <p:cNvPr id="3" name="Content Placeholder 2">
             <a:extLst>
               <a:ext uri="{FF2B5EF4-FFF2-40B4-BE49-F238E27FC236}">
-                <a16:creationId xmlns:a16="http://schemas.microsoft.com/office/drawing/2014/main" xmlns="" id="{B1C6EA51-866C-4C34-B123-039CBFDAA574}"/>
+                <a16:creationId xmlns="" xmlns:a16="http://schemas.microsoft.com/office/drawing/2014/main" id="{B1C6EA51-866C-4C34-B123-039CBFDAA574}"/>
               </a:ext>
             </a:extLst>
           </p:cNvPr>
@@ -11729,14 +11802,14 @@
           </a:bodyPr>
           <a:lstStyle/>
           <a:p>
-            <a:endParaRPr lang="en-PK" dirty="0"/>
+            <a:endParaRPr lang="x-none" dirty="0"/>
           </a:p>
         </p:txBody>
       </p:sp>
     </p:spTree>
     <p:extLst>
       <p:ext uri="{BB962C8B-B14F-4D97-AF65-F5344CB8AC3E}">
-        <p14:creationId xmlns:p14="http://schemas.microsoft.com/office/powerpoint/2010/main" val="2873321571"/>
+        <p14:creationId xmlns:p14="http://schemas.microsoft.com/office/powerpoint/2010/main" xmlns="" val="2873321571"/>
       </p:ext>
     </p:extLst>
   </p:cSld>
@@ -11794,10 +11867,10 @@
           <p:cNvPr id="8" name="Rectangle 7">
             <a:extLst>
               <a:ext uri="{FF2B5EF4-FFF2-40B4-BE49-F238E27FC236}">
-                <a16:creationId xmlns:a16="http://schemas.microsoft.com/office/drawing/2014/main" xmlns="" id="{3A3C2D7E-3F2E-404E-9B30-CB12DC972D50}"/>
+                <a16:creationId xmlns="" xmlns:a16="http://schemas.microsoft.com/office/drawing/2014/main" id="{3A3C2D7E-3F2E-404E-9B30-CB12DC972D50}"/>
               </a:ext>
               <a:ext uri="{C183D7F6-B498-43B3-948B-1728B52AA6E4}">
-                <adec:decorative xmlns:adec="http://schemas.microsoft.com/office/drawing/2017/decorative" xmlns="" val="1"/>
+                <adec:decorative xmlns="" xmlns:adec="http://schemas.microsoft.com/office/drawing/2017/decorative" val="1"/>
               </a:ext>
             </a:extLst>
           </p:cNvPr>
@@ -11807,7 +11880,7 @@
           <p:nvPr>
             <p:extLst>
               <p:ext uri="{386F3935-93C4-4BCD-93E2-E3B085C9AB24}">
-                <p16:designElem xmlns:p16="http://schemas.microsoft.com/office/powerpoint/2015/main" xmlns="" val="1"/>
+                <p16:designElem xmlns="" xmlns:p16="http://schemas.microsoft.com/office/powerpoint/2015/main" val="1"/>
               </p:ext>
             </p:extLst>
           </p:nvPr>
@@ -11854,10 +11927,10 @@
           <p:cNvPr id="10" name="Rectangle 9">
             <a:extLst>
               <a:ext uri="{FF2B5EF4-FFF2-40B4-BE49-F238E27FC236}">
-                <a16:creationId xmlns:a16="http://schemas.microsoft.com/office/drawing/2014/main" xmlns="" id="{F1F7FD00-BF97-4325-B7C2-E451F20840A7}"/>
+                <a16:creationId xmlns="" xmlns:a16="http://schemas.microsoft.com/office/drawing/2014/main" id="{F1F7FD00-BF97-4325-B7C2-E451F20840A7}"/>
               </a:ext>
               <a:ext uri="{C183D7F6-B498-43B3-948B-1728B52AA6E4}">
-                <adec:decorative xmlns:adec="http://schemas.microsoft.com/office/drawing/2017/decorative" xmlns="" val="1"/>
+                <adec:decorative xmlns="" xmlns:adec="http://schemas.microsoft.com/office/drawing/2017/decorative" val="1"/>
               </a:ext>
             </a:extLst>
           </p:cNvPr>
@@ -11867,7 +11940,7 @@
           <p:nvPr>
             <p:extLst>
               <p:ext uri="{386F3935-93C4-4BCD-93E2-E3B085C9AB24}">
-                <p16:designElem xmlns:p16="http://schemas.microsoft.com/office/powerpoint/2015/main" xmlns="" val="1"/>
+                <p16:designElem xmlns="" xmlns:p16="http://schemas.microsoft.com/office/powerpoint/2015/main" val="1"/>
               </p:ext>
             </p:extLst>
           </p:nvPr>
@@ -11910,7 +11983,7 @@
           <p:cNvPr id="2" name="Title 1">
             <a:extLst>
               <a:ext uri="{FF2B5EF4-FFF2-40B4-BE49-F238E27FC236}">
-                <a16:creationId xmlns:a16="http://schemas.microsoft.com/office/drawing/2014/main" xmlns="" id="{DE3B8960-813F-40F3-987B-87A82D7317E3}"/>
+                <a16:creationId xmlns="" xmlns:a16="http://schemas.microsoft.com/office/drawing/2014/main" id="{DE3B8960-813F-40F3-987B-87A82D7317E3}"/>
               </a:ext>
             </a:extLst>
           </p:cNvPr>
@@ -11941,7 +12014,7 @@
               </a:rPr>
               <a:t>3. SCOPE OF THE PROJECT</a:t>
             </a:r>
-            <a:endParaRPr lang="en-PK" b="1">
+            <a:endParaRPr lang="x-none" b="1">
               <a:solidFill>
                 <a:srgbClr val="FFFFFF"/>
               </a:solidFill>
@@ -11954,10 +12027,10 @@
           <p:cNvPr id="12" name="Freeform 11">
             <a:extLst>
               <a:ext uri="{FF2B5EF4-FFF2-40B4-BE49-F238E27FC236}">
-                <a16:creationId xmlns:a16="http://schemas.microsoft.com/office/drawing/2014/main" xmlns="" id="{179B5294-DA4E-4926-B14A-DD6E07A12F67}"/>
+                <a16:creationId xmlns="" xmlns:a16="http://schemas.microsoft.com/office/drawing/2014/main" id="{179B5294-DA4E-4926-B14A-DD6E07A12F67}"/>
               </a:ext>
               <a:ext uri="{C183D7F6-B498-43B3-948B-1728B52AA6E4}">
-                <adec:decorative xmlns:adec="http://schemas.microsoft.com/office/drawing/2017/decorative" xmlns="" val="1"/>
+                <adec:decorative xmlns="" xmlns:adec="http://schemas.microsoft.com/office/drawing/2017/decorative" val="1"/>
               </a:ext>
             </a:extLst>
           </p:cNvPr>
@@ -11967,7 +12040,7 @@
           <p:nvPr>
             <p:extLst>
               <p:ext uri="{386F3935-93C4-4BCD-93E2-E3B085C9AB24}">
-                <p16:designElem xmlns:p16="http://schemas.microsoft.com/office/powerpoint/2015/main" xmlns="" val="1"/>
+                <p16:designElem xmlns="" xmlns:p16="http://schemas.microsoft.com/office/powerpoint/2015/main" val="1"/>
               </p:ext>
             </p:extLst>
           </p:nvPr>
@@ -12053,7 +12126,7 @@
           <p:cNvPr id="3" name="Content Placeholder 2">
             <a:extLst>
               <a:ext uri="{FF2B5EF4-FFF2-40B4-BE49-F238E27FC236}">
-                <a16:creationId xmlns:a16="http://schemas.microsoft.com/office/drawing/2014/main" xmlns="" id="{AB422E80-8B43-49C7-B5F3-FA890E5A8DAC}"/>
+                <a16:creationId xmlns="" xmlns:a16="http://schemas.microsoft.com/office/drawing/2014/main" id="{AB422E80-8B43-49C7-B5F3-FA890E5A8DAC}"/>
               </a:ext>
             </a:extLst>
           </p:cNvPr>
@@ -12076,14 +12149,14 @@
           </a:bodyPr>
           <a:lstStyle/>
           <a:p>
-            <a:endParaRPr lang="en-PK" dirty="0"/>
+            <a:endParaRPr lang="x-none" dirty="0"/>
           </a:p>
         </p:txBody>
       </p:sp>
     </p:spTree>
     <p:extLst>
       <p:ext uri="{BB962C8B-B14F-4D97-AF65-F5344CB8AC3E}">
-        <p14:creationId xmlns:p14="http://schemas.microsoft.com/office/powerpoint/2010/main" val="1210202111"/>
+        <p14:creationId xmlns:p14="http://schemas.microsoft.com/office/powerpoint/2010/main" xmlns="" val="1210202111"/>
       </p:ext>
     </p:extLst>
   </p:cSld>
@@ -12141,10 +12214,10 @@
           <p:cNvPr id="8" name="Rectangle 7">
             <a:extLst>
               <a:ext uri="{FF2B5EF4-FFF2-40B4-BE49-F238E27FC236}">
-                <a16:creationId xmlns:a16="http://schemas.microsoft.com/office/drawing/2014/main" xmlns="" id="{3A3C2D7E-3F2E-404E-9B30-CB12DC972D50}"/>
+                <a16:creationId xmlns="" xmlns:a16="http://schemas.microsoft.com/office/drawing/2014/main" id="{3A3C2D7E-3F2E-404E-9B30-CB12DC972D50}"/>
               </a:ext>
               <a:ext uri="{C183D7F6-B498-43B3-948B-1728B52AA6E4}">
-                <adec:decorative xmlns:adec="http://schemas.microsoft.com/office/drawing/2017/decorative" xmlns="" val="1"/>
+                <adec:decorative xmlns="" xmlns:adec="http://schemas.microsoft.com/office/drawing/2017/decorative" val="1"/>
               </a:ext>
             </a:extLst>
           </p:cNvPr>
@@ -12154,7 +12227,7 @@
           <p:nvPr>
             <p:extLst>
               <p:ext uri="{386F3935-93C4-4BCD-93E2-E3B085C9AB24}">
-                <p16:designElem xmlns:p16="http://schemas.microsoft.com/office/powerpoint/2015/main" xmlns="" val="1"/>
+                <p16:designElem xmlns="" xmlns:p16="http://schemas.microsoft.com/office/powerpoint/2015/main" val="1"/>
               </p:ext>
             </p:extLst>
           </p:nvPr>
@@ -12201,10 +12274,10 @@
           <p:cNvPr id="10" name="Rectangle 9">
             <a:extLst>
               <a:ext uri="{FF2B5EF4-FFF2-40B4-BE49-F238E27FC236}">
-                <a16:creationId xmlns:a16="http://schemas.microsoft.com/office/drawing/2014/main" xmlns="" id="{F1F7FD00-BF97-4325-B7C2-E451F20840A7}"/>
+                <a16:creationId xmlns="" xmlns:a16="http://schemas.microsoft.com/office/drawing/2014/main" id="{F1F7FD00-BF97-4325-B7C2-E451F20840A7}"/>
               </a:ext>
               <a:ext uri="{C183D7F6-B498-43B3-948B-1728B52AA6E4}">
-                <adec:decorative xmlns:adec="http://schemas.microsoft.com/office/drawing/2017/decorative" xmlns="" val="1"/>
+                <adec:decorative xmlns="" xmlns:adec="http://schemas.microsoft.com/office/drawing/2017/decorative" val="1"/>
               </a:ext>
             </a:extLst>
           </p:cNvPr>
@@ -12214,7 +12287,7 @@
           <p:nvPr>
             <p:extLst>
               <p:ext uri="{386F3935-93C4-4BCD-93E2-E3B085C9AB24}">
-                <p16:designElem xmlns:p16="http://schemas.microsoft.com/office/powerpoint/2015/main" xmlns="" val="1"/>
+                <p16:designElem xmlns="" xmlns:p16="http://schemas.microsoft.com/office/powerpoint/2015/main" val="1"/>
               </p:ext>
             </p:extLst>
           </p:nvPr>
@@ -12257,7 +12330,7 @@
           <p:cNvPr id="2" name="Title 1">
             <a:extLst>
               <a:ext uri="{FF2B5EF4-FFF2-40B4-BE49-F238E27FC236}">
-                <a16:creationId xmlns:a16="http://schemas.microsoft.com/office/drawing/2014/main" xmlns="" id="{2A87B431-52D1-443E-8FC5-EBEABF21BD8E}"/>
+                <a16:creationId xmlns="" xmlns:a16="http://schemas.microsoft.com/office/drawing/2014/main" id="{2A87B431-52D1-443E-8FC5-EBEABF21BD8E}"/>
               </a:ext>
             </a:extLst>
           </p:cNvPr>
@@ -12288,7 +12361,7 @@
               </a:rPr>
               <a:t>4. IDEA COMPLEXITY</a:t>
             </a:r>
-            <a:endParaRPr lang="en-PK" b="1">
+            <a:endParaRPr lang="x-none" b="1">
               <a:solidFill>
                 <a:srgbClr val="FFFFFF"/>
               </a:solidFill>
@@ -12301,10 +12374,10 @@
           <p:cNvPr id="12" name="Freeform 11">
             <a:extLst>
               <a:ext uri="{FF2B5EF4-FFF2-40B4-BE49-F238E27FC236}">
-                <a16:creationId xmlns:a16="http://schemas.microsoft.com/office/drawing/2014/main" xmlns="" id="{179B5294-DA4E-4926-B14A-DD6E07A12F67}"/>
+                <a16:creationId xmlns="" xmlns:a16="http://schemas.microsoft.com/office/drawing/2014/main" id="{179B5294-DA4E-4926-B14A-DD6E07A12F67}"/>
               </a:ext>
               <a:ext uri="{C183D7F6-B498-43B3-948B-1728B52AA6E4}">
-                <adec:decorative xmlns:adec="http://schemas.microsoft.com/office/drawing/2017/decorative" xmlns="" val="1"/>
+                <adec:decorative xmlns="" xmlns:adec="http://schemas.microsoft.com/office/drawing/2017/decorative" val="1"/>
               </a:ext>
             </a:extLst>
           </p:cNvPr>
@@ -12314,7 +12387,7 @@
           <p:nvPr>
             <p:extLst>
               <p:ext uri="{386F3935-93C4-4BCD-93E2-E3B085C9AB24}">
-                <p16:designElem xmlns:p16="http://schemas.microsoft.com/office/powerpoint/2015/main" xmlns="" val="1"/>
+                <p16:designElem xmlns="" xmlns:p16="http://schemas.microsoft.com/office/powerpoint/2015/main" val="1"/>
               </p:ext>
             </p:extLst>
           </p:nvPr>
@@ -12400,7 +12473,7 @@
           <p:cNvPr id="3" name="Content Placeholder 2">
             <a:extLst>
               <a:ext uri="{FF2B5EF4-FFF2-40B4-BE49-F238E27FC236}">
-                <a16:creationId xmlns:a16="http://schemas.microsoft.com/office/drawing/2014/main" xmlns="" id="{D756A2E4-7DAC-45C3-B589-7CEFB333C216}"/>
+                <a16:creationId xmlns="" xmlns:a16="http://schemas.microsoft.com/office/drawing/2014/main" id="{D756A2E4-7DAC-45C3-B589-7CEFB333C216}"/>
               </a:ext>
             </a:extLst>
           </p:cNvPr>
@@ -12423,14 +12496,14 @@
           </a:bodyPr>
           <a:lstStyle/>
           <a:p>
-            <a:endParaRPr lang="en-PK"/>
+            <a:endParaRPr lang="x-none"/>
           </a:p>
         </p:txBody>
       </p:sp>
     </p:spTree>
     <p:extLst>
       <p:ext uri="{BB962C8B-B14F-4D97-AF65-F5344CB8AC3E}">
-        <p14:creationId xmlns:p14="http://schemas.microsoft.com/office/powerpoint/2010/main" val="524905541"/>
+        <p14:creationId xmlns:p14="http://schemas.microsoft.com/office/powerpoint/2010/main" xmlns="" val="524905541"/>
       </p:ext>
     </p:extLst>
   </p:cSld>
@@ -12488,10 +12561,10 @@
           <p:cNvPr id="8" name="Rectangle 7">
             <a:extLst>
               <a:ext uri="{FF2B5EF4-FFF2-40B4-BE49-F238E27FC236}">
-                <a16:creationId xmlns:a16="http://schemas.microsoft.com/office/drawing/2014/main" xmlns="" id="{3A3C2D7E-3F2E-404E-9B30-CB12DC972D50}"/>
+                <a16:creationId xmlns="" xmlns:a16="http://schemas.microsoft.com/office/drawing/2014/main" id="{3A3C2D7E-3F2E-404E-9B30-CB12DC972D50}"/>
               </a:ext>
               <a:ext uri="{C183D7F6-B498-43B3-948B-1728B52AA6E4}">
-                <adec:decorative xmlns:adec="http://schemas.microsoft.com/office/drawing/2017/decorative" xmlns="" val="1"/>
+                <adec:decorative xmlns="" xmlns:adec="http://schemas.microsoft.com/office/drawing/2017/decorative" val="1"/>
               </a:ext>
             </a:extLst>
           </p:cNvPr>
@@ -12501,7 +12574,7 @@
           <p:nvPr>
             <p:extLst>
               <p:ext uri="{386F3935-93C4-4BCD-93E2-E3B085C9AB24}">
-                <p16:designElem xmlns:p16="http://schemas.microsoft.com/office/powerpoint/2015/main" xmlns="" val="1"/>
+                <p16:designElem xmlns="" xmlns:p16="http://schemas.microsoft.com/office/powerpoint/2015/main" val="1"/>
               </p:ext>
             </p:extLst>
           </p:nvPr>
@@ -12548,10 +12621,10 @@
           <p:cNvPr id="10" name="Rectangle 9">
             <a:extLst>
               <a:ext uri="{FF2B5EF4-FFF2-40B4-BE49-F238E27FC236}">
-                <a16:creationId xmlns:a16="http://schemas.microsoft.com/office/drawing/2014/main" xmlns="" id="{F1F7FD00-BF97-4325-B7C2-E451F20840A7}"/>
+                <a16:creationId xmlns="" xmlns:a16="http://schemas.microsoft.com/office/drawing/2014/main" id="{F1F7FD00-BF97-4325-B7C2-E451F20840A7}"/>
               </a:ext>
               <a:ext uri="{C183D7F6-B498-43B3-948B-1728B52AA6E4}">
-                <adec:decorative xmlns:adec="http://schemas.microsoft.com/office/drawing/2017/decorative" xmlns="" val="1"/>
+                <adec:decorative xmlns="" xmlns:adec="http://schemas.microsoft.com/office/drawing/2017/decorative" val="1"/>
               </a:ext>
             </a:extLst>
           </p:cNvPr>
@@ -12561,7 +12634,7 @@
           <p:nvPr>
             <p:extLst>
               <p:ext uri="{386F3935-93C4-4BCD-93E2-E3B085C9AB24}">
-                <p16:designElem xmlns:p16="http://schemas.microsoft.com/office/powerpoint/2015/main" xmlns="" val="1"/>
+                <p16:designElem xmlns="" xmlns:p16="http://schemas.microsoft.com/office/powerpoint/2015/main" val="1"/>
               </p:ext>
             </p:extLst>
           </p:nvPr>
@@ -12604,7 +12677,7 @@
           <p:cNvPr id="2" name="Title 1">
             <a:extLst>
               <a:ext uri="{FF2B5EF4-FFF2-40B4-BE49-F238E27FC236}">
-                <a16:creationId xmlns:a16="http://schemas.microsoft.com/office/drawing/2014/main" xmlns="" id="{3B8A4B89-B2B3-4944-A853-1D91B1B61CA4}"/>
+                <a16:creationId xmlns="" xmlns:a16="http://schemas.microsoft.com/office/drawing/2014/main" id="{3B8A4B89-B2B3-4944-A853-1D91B1B61CA4}"/>
               </a:ext>
             </a:extLst>
           </p:cNvPr>
@@ -12635,7 +12708,7 @@
               </a:rPr>
               <a:t>5. EXISTING SYSTEM</a:t>
             </a:r>
-            <a:endParaRPr lang="en-PK" b="1" dirty="0">
+            <a:endParaRPr lang="x-none" b="1" dirty="0">
               <a:solidFill>
                 <a:srgbClr val="FFFFFF"/>
               </a:solidFill>
@@ -12648,10 +12721,10 @@
           <p:cNvPr id="12" name="Freeform 11">
             <a:extLst>
               <a:ext uri="{FF2B5EF4-FFF2-40B4-BE49-F238E27FC236}">
-                <a16:creationId xmlns:a16="http://schemas.microsoft.com/office/drawing/2014/main" xmlns="" id="{179B5294-DA4E-4926-B14A-DD6E07A12F67}"/>
+                <a16:creationId xmlns="" xmlns:a16="http://schemas.microsoft.com/office/drawing/2014/main" id="{179B5294-DA4E-4926-B14A-DD6E07A12F67}"/>
               </a:ext>
               <a:ext uri="{C183D7F6-B498-43B3-948B-1728B52AA6E4}">
-                <adec:decorative xmlns:adec="http://schemas.microsoft.com/office/drawing/2017/decorative" xmlns="" val="1"/>
+                <adec:decorative xmlns="" xmlns:adec="http://schemas.microsoft.com/office/drawing/2017/decorative" val="1"/>
               </a:ext>
             </a:extLst>
           </p:cNvPr>
@@ -12661,7 +12734,7 @@
           <p:nvPr>
             <p:extLst>
               <p:ext uri="{386F3935-93C4-4BCD-93E2-E3B085C9AB24}">
-                <p16:designElem xmlns:p16="http://schemas.microsoft.com/office/powerpoint/2015/main" xmlns="" val="1"/>
+                <p16:designElem xmlns="" xmlns:p16="http://schemas.microsoft.com/office/powerpoint/2015/main" val="1"/>
               </p:ext>
             </p:extLst>
           </p:nvPr>
@@ -12747,7 +12820,7 @@
           <p:cNvPr id="3" name="Content Placeholder 2">
             <a:extLst>
               <a:ext uri="{FF2B5EF4-FFF2-40B4-BE49-F238E27FC236}">
-                <a16:creationId xmlns:a16="http://schemas.microsoft.com/office/drawing/2014/main" xmlns="" id="{5C3A1888-B33C-438A-BE29-8C9AB6E5EAF5}"/>
+                <a16:creationId xmlns="" xmlns:a16="http://schemas.microsoft.com/office/drawing/2014/main" id="{5C3A1888-B33C-438A-BE29-8C9AB6E5EAF5}"/>
               </a:ext>
             </a:extLst>
           </p:cNvPr>
@@ -12770,14 +12843,14 @@
           </a:bodyPr>
           <a:lstStyle/>
           <a:p>
-            <a:endParaRPr lang="en-PK"/>
+            <a:endParaRPr lang="x-none"/>
           </a:p>
         </p:txBody>
       </p:sp>
     </p:spTree>
     <p:extLst>
       <p:ext uri="{BB962C8B-B14F-4D97-AF65-F5344CB8AC3E}">
-        <p14:creationId xmlns:p14="http://schemas.microsoft.com/office/powerpoint/2010/main" val="890898475"/>
+        <p14:creationId xmlns:p14="http://schemas.microsoft.com/office/powerpoint/2010/main" xmlns="" val="890898475"/>
       </p:ext>
     </p:extLst>
   </p:cSld>
@@ -12835,10 +12908,10 @@
           <p:cNvPr id="8" name="Rectangle 7">
             <a:extLst>
               <a:ext uri="{FF2B5EF4-FFF2-40B4-BE49-F238E27FC236}">
-                <a16:creationId xmlns:a16="http://schemas.microsoft.com/office/drawing/2014/main" xmlns="" id="{3A3C2D7E-3F2E-404E-9B30-CB12DC972D50}"/>
+                <a16:creationId xmlns="" xmlns:a16="http://schemas.microsoft.com/office/drawing/2014/main" id="{3A3C2D7E-3F2E-404E-9B30-CB12DC972D50}"/>
               </a:ext>
               <a:ext uri="{C183D7F6-B498-43B3-948B-1728B52AA6E4}">
-                <adec:decorative xmlns:adec="http://schemas.microsoft.com/office/drawing/2017/decorative" xmlns="" val="1"/>
+                <adec:decorative xmlns="" xmlns:adec="http://schemas.microsoft.com/office/drawing/2017/decorative" val="1"/>
               </a:ext>
             </a:extLst>
           </p:cNvPr>
@@ -12848,7 +12921,7 @@
           <p:nvPr>
             <p:extLst>
               <p:ext uri="{386F3935-93C4-4BCD-93E2-E3B085C9AB24}">
-                <p16:designElem xmlns:p16="http://schemas.microsoft.com/office/powerpoint/2015/main" xmlns="" val="1"/>
+                <p16:designElem xmlns="" xmlns:p16="http://schemas.microsoft.com/office/powerpoint/2015/main" val="1"/>
               </p:ext>
             </p:extLst>
           </p:nvPr>
@@ -12895,10 +12968,10 @@
           <p:cNvPr id="10" name="Rectangle 9">
             <a:extLst>
               <a:ext uri="{FF2B5EF4-FFF2-40B4-BE49-F238E27FC236}">
-                <a16:creationId xmlns:a16="http://schemas.microsoft.com/office/drawing/2014/main" xmlns="" id="{F1F7FD00-BF97-4325-B7C2-E451F20840A7}"/>
+                <a16:creationId xmlns="" xmlns:a16="http://schemas.microsoft.com/office/drawing/2014/main" id="{F1F7FD00-BF97-4325-B7C2-E451F20840A7}"/>
               </a:ext>
               <a:ext uri="{C183D7F6-B498-43B3-948B-1728B52AA6E4}">
-                <adec:decorative xmlns:adec="http://schemas.microsoft.com/office/drawing/2017/decorative" xmlns="" val="1"/>
+                <adec:decorative xmlns="" xmlns:adec="http://schemas.microsoft.com/office/drawing/2017/decorative" val="1"/>
               </a:ext>
             </a:extLst>
           </p:cNvPr>
@@ -12908,7 +12981,7 @@
           <p:nvPr>
             <p:extLst>
               <p:ext uri="{386F3935-93C4-4BCD-93E2-E3B085C9AB24}">
-                <p16:designElem xmlns:p16="http://schemas.microsoft.com/office/powerpoint/2015/main" xmlns="" val="1"/>
+                <p16:designElem xmlns="" xmlns:p16="http://schemas.microsoft.com/office/powerpoint/2015/main" val="1"/>
               </p:ext>
             </p:extLst>
           </p:nvPr>
@@ -12951,7 +13024,7 @@
           <p:cNvPr id="2" name="Title 1">
             <a:extLst>
               <a:ext uri="{FF2B5EF4-FFF2-40B4-BE49-F238E27FC236}">
-                <a16:creationId xmlns:a16="http://schemas.microsoft.com/office/drawing/2014/main" xmlns="" id="{C60221F0-E61F-4AD3-B683-685CA8D02591}"/>
+                <a16:creationId xmlns="" xmlns:a16="http://schemas.microsoft.com/office/drawing/2014/main" id="{C60221F0-E61F-4AD3-B683-685CA8D02591}"/>
               </a:ext>
             </a:extLst>
           </p:cNvPr>
@@ -12982,7 +13055,7 @@
               </a:rPr>
               <a:t>6. PROPOSED SYSTEM</a:t>
             </a:r>
-            <a:endParaRPr lang="en-PK" b="1" dirty="0">
+            <a:endParaRPr lang="x-none" b="1" dirty="0">
               <a:solidFill>
                 <a:srgbClr val="FFFFFF"/>
               </a:solidFill>
@@ -12995,10 +13068,10 @@
           <p:cNvPr id="12" name="Freeform 11">
             <a:extLst>
               <a:ext uri="{FF2B5EF4-FFF2-40B4-BE49-F238E27FC236}">
-                <a16:creationId xmlns:a16="http://schemas.microsoft.com/office/drawing/2014/main" xmlns="" id="{179B5294-DA4E-4926-B14A-DD6E07A12F67}"/>
+                <a16:creationId xmlns="" xmlns:a16="http://schemas.microsoft.com/office/drawing/2014/main" id="{179B5294-DA4E-4926-B14A-DD6E07A12F67}"/>
               </a:ext>
               <a:ext uri="{C183D7F6-B498-43B3-948B-1728B52AA6E4}">
-                <adec:decorative xmlns:adec="http://schemas.microsoft.com/office/drawing/2017/decorative" xmlns="" val="1"/>
+                <adec:decorative xmlns="" xmlns:adec="http://schemas.microsoft.com/office/drawing/2017/decorative" val="1"/>
               </a:ext>
             </a:extLst>
           </p:cNvPr>
@@ -13008,7 +13081,7 @@
           <p:nvPr>
             <p:extLst>
               <p:ext uri="{386F3935-93C4-4BCD-93E2-E3B085C9AB24}">
-                <p16:designElem xmlns:p16="http://schemas.microsoft.com/office/powerpoint/2015/main" xmlns="" val="1"/>
+                <p16:designElem xmlns="" xmlns:p16="http://schemas.microsoft.com/office/powerpoint/2015/main" val="1"/>
               </p:ext>
             </p:extLst>
           </p:nvPr>
@@ -13094,7 +13167,7 @@
           <p:cNvPr id="3" name="Content Placeholder 2">
             <a:extLst>
               <a:ext uri="{FF2B5EF4-FFF2-40B4-BE49-F238E27FC236}">
-                <a16:creationId xmlns:a16="http://schemas.microsoft.com/office/drawing/2014/main" xmlns="" id="{66B44562-E5EF-4950-B1F8-A0575CB9B0D8}"/>
+                <a16:creationId xmlns="" xmlns:a16="http://schemas.microsoft.com/office/drawing/2014/main" id="{66B44562-E5EF-4950-B1F8-A0575CB9B0D8}"/>
               </a:ext>
             </a:extLst>
           </p:cNvPr>
@@ -13117,14 +13190,14 @@
           </a:bodyPr>
           <a:lstStyle/>
           <a:p>
-            <a:endParaRPr lang="en-PK"/>
+            <a:endParaRPr lang="x-none"/>
           </a:p>
         </p:txBody>
       </p:sp>
     </p:spTree>
     <p:extLst>
       <p:ext uri="{BB962C8B-B14F-4D97-AF65-F5344CB8AC3E}">
-        <p14:creationId xmlns:p14="http://schemas.microsoft.com/office/powerpoint/2010/main" val="3389632859"/>
+        <p14:creationId xmlns:p14="http://schemas.microsoft.com/office/powerpoint/2010/main" xmlns="" val="3389632859"/>
       </p:ext>
     </p:extLst>
   </p:cSld>
@@ -13177,7 +13250,7 @@
     </a:clrScheme>
     <a:fontScheme name="Wisp">
       <a:majorFont>
-        <a:latin typeface="Century Gothic" panose="020B0502020202020204"/>
+        <a:latin typeface="Century Gothic"/>
         <a:ea typeface=""/>
         <a:cs typeface=""/>
         <a:font script="Jpan" typeface="メイリオ"/>
@@ -13212,7 +13285,7 @@
         <a:font script="Geor" typeface="Sylfaen"/>
       </a:majorFont>
       <a:minorFont>
-        <a:latin typeface="Century Gothic" panose="020B0502020202020204"/>
+        <a:latin typeface="Century Gothic"/>
         <a:ea typeface=""/>
         <a:cs typeface=""/>
         <a:font script="Jpan" typeface="メイリオ"/>
@@ -13371,7 +13444,7 @@
   <a:extraClrSchemeLst/>
   <a:extLst>
     <a:ext uri="{05A4C25C-085E-4340-85A3-A5531E510DB2}">
-      <thm15:themeFamily xmlns:thm15="http://schemas.microsoft.com/office/thememl/2012/main" xmlns="" name="Wisp" id="{7CB32D59-10C0-40DD-B7BD-2E94284A981C}" vid="{24B1A44C-C006-48B2-A4D7-E5549B3D8CD4}"/>
+      <thm15:themeFamily xmlns="" xmlns:thm15="http://schemas.microsoft.com/office/thememl/2012/main" name="Wisp" id="{7CB32D59-10C0-40DD-B7BD-2E94284A981C}" vid="{24B1A44C-C006-48B2-A4D7-E5549B3D8CD4}"/>
     </a:ext>
   </a:extLst>
 </a:theme>
